--- a/Docs/品链框架.pptx
+++ b/Docs/品链框架.pptx
@@ -5,7 +5,7 @@
     <p:sldMasterId id="2147485846" r:id="rId1"/>
   </p:sldMasterIdLst>
   <p:notesMasterIdLst>
-    <p:notesMasterId r:id="rId10"/>
+    <p:notesMasterId r:id="rId11"/>
   </p:notesMasterIdLst>
   <p:sldIdLst>
     <p:sldId id="256" r:id="rId2"/>
@@ -16,6 +16,7 @@
     <p:sldId id="366" r:id="rId7"/>
     <p:sldId id="341" r:id="rId8"/>
     <p:sldId id="350" r:id="rId9"/>
+    <p:sldId id="367" r:id="rId10"/>
   </p:sldIdLst>
   <p:sldSz cx="12192000" cy="6858000"/>
   <p:notesSz cx="6858000" cy="9144000"/>
@@ -4630,6 +4631,813 @@
   <dgm:styleLbl name="fgShp">
     <dgm:fillClrLst meth="repeat">
       <a:schemeClr val="accent1">
+        <a:tint val="60000"/>
+      </a:schemeClr>
+    </dgm:fillClrLst>
+    <dgm:linClrLst meth="repeat">
+      <a:schemeClr val="lt1"/>
+    </dgm:linClrLst>
+    <dgm:effectClrLst/>
+    <dgm:txLinClrLst/>
+    <dgm:txFillClrLst meth="repeat">
+      <a:schemeClr val="dk1"/>
+    </dgm:txFillClrLst>
+    <dgm:txEffectClrLst/>
+  </dgm:styleLbl>
+  <dgm:styleLbl name="revTx">
+    <dgm:fillClrLst meth="repeat">
+      <a:schemeClr val="lt1">
+        <a:alpha val="0"/>
+      </a:schemeClr>
+    </dgm:fillClrLst>
+    <dgm:linClrLst meth="repeat">
+      <a:schemeClr val="dk1">
+        <a:alpha val="0"/>
+      </a:schemeClr>
+    </dgm:linClrLst>
+    <dgm:effectClrLst/>
+    <dgm:txLinClrLst/>
+    <dgm:txFillClrLst meth="repeat">
+      <a:schemeClr val="tx1"/>
+    </dgm:txFillClrLst>
+    <dgm:txEffectClrLst/>
+  </dgm:styleLbl>
+</dgm:colorsDef>
+</file>
+
+<file path=ppt/diagrams/colors7.xml><?xml version="1.0" encoding="utf-8"?>
+<dgm:colorsDef xmlns:dgm="http://schemas.openxmlformats.org/drawingml/2006/diagram" xmlns:a="http://schemas.openxmlformats.org/drawingml/2006/main" uniqueId="urn:microsoft.com/office/officeart/2005/8/colors/accent0_1">
+  <dgm:title val=""/>
+  <dgm:desc val=""/>
+  <dgm:catLst>
+    <dgm:cat type="mainScheme" pri="10100"/>
+  </dgm:catLst>
+  <dgm:styleLbl name="node0">
+    <dgm:fillClrLst meth="repeat">
+      <a:schemeClr val="lt1"/>
+    </dgm:fillClrLst>
+    <dgm:linClrLst meth="repeat">
+      <a:schemeClr val="dk1">
+        <a:shade val="80000"/>
+      </a:schemeClr>
+    </dgm:linClrLst>
+    <dgm:effectClrLst/>
+    <dgm:txLinClrLst/>
+    <dgm:txFillClrLst meth="repeat">
+      <a:schemeClr val="dk1"/>
+    </dgm:txFillClrLst>
+    <dgm:txEffectClrLst/>
+  </dgm:styleLbl>
+  <dgm:styleLbl name="node1">
+    <dgm:fillClrLst meth="repeat">
+      <a:schemeClr val="lt1"/>
+    </dgm:fillClrLst>
+    <dgm:linClrLst meth="repeat">
+      <a:schemeClr val="dk1">
+        <a:shade val="80000"/>
+      </a:schemeClr>
+    </dgm:linClrLst>
+    <dgm:effectClrLst/>
+    <dgm:txLinClrLst/>
+    <dgm:txFillClrLst meth="repeat">
+      <a:schemeClr val="dk1"/>
+    </dgm:txFillClrLst>
+    <dgm:txEffectClrLst/>
+  </dgm:styleLbl>
+  <dgm:styleLbl name="alignNode1">
+    <dgm:fillClrLst meth="repeat">
+      <a:schemeClr val="lt1"/>
+    </dgm:fillClrLst>
+    <dgm:linClrLst meth="repeat">
+      <a:schemeClr val="dk1">
+        <a:shade val="80000"/>
+      </a:schemeClr>
+    </dgm:linClrLst>
+    <dgm:effectClrLst/>
+    <dgm:txLinClrLst/>
+    <dgm:txFillClrLst meth="repeat">
+      <a:schemeClr val="dk1"/>
+    </dgm:txFillClrLst>
+    <dgm:txEffectClrLst/>
+  </dgm:styleLbl>
+  <dgm:styleLbl name="lnNode1">
+    <dgm:fillClrLst meth="repeat">
+      <a:schemeClr val="lt1"/>
+    </dgm:fillClrLst>
+    <dgm:linClrLst meth="repeat">
+      <a:schemeClr val="dk1">
+        <a:shade val="80000"/>
+      </a:schemeClr>
+    </dgm:linClrLst>
+    <dgm:effectClrLst/>
+    <dgm:txLinClrLst/>
+    <dgm:txFillClrLst meth="repeat">
+      <a:schemeClr val="dk1"/>
+    </dgm:txFillClrLst>
+    <dgm:txEffectClrLst/>
+  </dgm:styleLbl>
+  <dgm:styleLbl name="vennNode1">
+    <dgm:fillClrLst meth="repeat">
+      <a:schemeClr val="lt1">
+        <a:alpha val="50000"/>
+      </a:schemeClr>
+    </dgm:fillClrLst>
+    <dgm:linClrLst meth="repeat">
+      <a:schemeClr val="dk1">
+        <a:shade val="80000"/>
+      </a:schemeClr>
+    </dgm:linClrLst>
+    <dgm:effectClrLst/>
+    <dgm:txLinClrLst/>
+    <dgm:txFillClrLst/>
+    <dgm:txEffectClrLst/>
+  </dgm:styleLbl>
+  <dgm:styleLbl name="node2">
+    <dgm:fillClrLst meth="repeat">
+      <a:schemeClr val="lt1"/>
+    </dgm:fillClrLst>
+    <dgm:linClrLst meth="repeat">
+      <a:schemeClr val="dk1">
+        <a:shade val="80000"/>
+      </a:schemeClr>
+    </dgm:linClrLst>
+    <dgm:effectClrLst/>
+    <dgm:txLinClrLst/>
+    <dgm:txFillClrLst meth="repeat">
+      <a:schemeClr val="dk1"/>
+    </dgm:txFillClrLst>
+    <dgm:txEffectClrLst/>
+  </dgm:styleLbl>
+  <dgm:styleLbl name="node3">
+    <dgm:fillClrLst meth="repeat">
+      <a:schemeClr val="lt1"/>
+    </dgm:fillClrLst>
+    <dgm:linClrLst meth="repeat">
+      <a:schemeClr val="dk1">
+        <a:shade val="80000"/>
+      </a:schemeClr>
+    </dgm:linClrLst>
+    <dgm:effectClrLst/>
+    <dgm:txLinClrLst/>
+    <dgm:txFillClrLst meth="repeat">
+      <a:schemeClr val="dk1"/>
+    </dgm:txFillClrLst>
+    <dgm:txEffectClrLst/>
+  </dgm:styleLbl>
+  <dgm:styleLbl name="node4">
+    <dgm:fillClrLst meth="repeat">
+      <a:schemeClr val="lt1"/>
+    </dgm:fillClrLst>
+    <dgm:linClrLst meth="repeat">
+      <a:schemeClr val="dk1">
+        <a:shade val="80000"/>
+      </a:schemeClr>
+    </dgm:linClrLst>
+    <dgm:effectClrLst/>
+    <dgm:txLinClrLst/>
+    <dgm:txFillClrLst meth="repeat">
+      <a:schemeClr val="dk1"/>
+    </dgm:txFillClrLst>
+    <dgm:txEffectClrLst/>
+  </dgm:styleLbl>
+  <dgm:styleLbl name="fgImgPlace1">
+    <dgm:fillClrLst meth="repeat">
+      <a:schemeClr val="dk1">
+        <a:tint val="40000"/>
+      </a:schemeClr>
+    </dgm:fillClrLst>
+    <dgm:linClrLst meth="repeat">
+      <a:schemeClr val="dk1">
+        <a:shade val="80000"/>
+      </a:schemeClr>
+    </dgm:linClrLst>
+    <dgm:effectClrLst/>
+    <dgm:txLinClrLst/>
+    <dgm:txFillClrLst meth="repeat">
+      <a:schemeClr val="lt1"/>
+    </dgm:txFillClrLst>
+    <dgm:txEffectClrLst/>
+  </dgm:styleLbl>
+  <dgm:styleLbl name="alignImgPlace1">
+    <dgm:fillClrLst meth="repeat">
+      <a:schemeClr val="dk1">
+        <a:tint val="40000"/>
+      </a:schemeClr>
+    </dgm:fillClrLst>
+    <dgm:linClrLst meth="repeat">
+      <a:schemeClr val="dk1">
+        <a:shade val="80000"/>
+      </a:schemeClr>
+    </dgm:linClrLst>
+    <dgm:effectClrLst/>
+    <dgm:txLinClrLst/>
+    <dgm:txFillClrLst meth="repeat">
+      <a:schemeClr val="lt1"/>
+    </dgm:txFillClrLst>
+    <dgm:txEffectClrLst/>
+  </dgm:styleLbl>
+  <dgm:styleLbl name="bgImgPlace1">
+    <dgm:fillClrLst meth="repeat">
+      <a:schemeClr val="dk1">
+        <a:tint val="40000"/>
+      </a:schemeClr>
+    </dgm:fillClrLst>
+    <dgm:linClrLst meth="repeat">
+      <a:schemeClr val="dk1">
+        <a:shade val="80000"/>
+      </a:schemeClr>
+    </dgm:linClrLst>
+    <dgm:effectClrLst/>
+    <dgm:txLinClrLst/>
+    <dgm:txFillClrLst meth="repeat">
+      <a:schemeClr val="lt1"/>
+    </dgm:txFillClrLst>
+    <dgm:txEffectClrLst/>
+  </dgm:styleLbl>
+  <dgm:styleLbl name="sibTrans2D1">
+    <dgm:fillClrLst meth="repeat">
+      <a:schemeClr val="dk1">
+        <a:tint val="60000"/>
+      </a:schemeClr>
+    </dgm:fillClrLst>
+    <dgm:linClrLst meth="repeat">
+      <a:schemeClr val="dk1">
+        <a:tint val="60000"/>
+      </a:schemeClr>
+    </dgm:linClrLst>
+    <dgm:effectClrLst/>
+    <dgm:txLinClrLst/>
+    <dgm:txFillClrLst meth="repeat">
+      <a:schemeClr val="dk1"/>
+    </dgm:txFillClrLst>
+    <dgm:txEffectClrLst/>
+  </dgm:styleLbl>
+  <dgm:styleLbl name="fgSibTrans2D1">
+    <dgm:fillClrLst meth="repeat">
+      <a:schemeClr val="dk1">
+        <a:tint val="60000"/>
+      </a:schemeClr>
+    </dgm:fillClrLst>
+    <dgm:linClrLst meth="repeat">
+      <a:schemeClr val="dk1">
+        <a:tint val="60000"/>
+      </a:schemeClr>
+    </dgm:linClrLst>
+    <dgm:effectClrLst/>
+    <dgm:txLinClrLst/>
+    <dgm:txFillClrLst meth="repeat">
+      <a:schemeClr val="dk1"/>
+    </dgm:txFillClrLst>
+    <dgm:txEffectClrLst/>
+  </dgm:styleLbl>
+  <dgm:styleLbl name="bgSibTrans2D1">
+    <dgm:fillClrLst meth="repeat">
+      <a:schemeClr val="dk1">
+        <a:tint val="60000"/>
+      </a:schemeClr>
+    </dgm:fillClrLst>
+    <dgm:linClrLst meth="repeat">
+      <a:schemeClr val="dk1">
+        <a:tint val="60000"/>
+      </a:schemeClr>
+    </dgm:linClrLst>
+    <dgm:effectClrLst/>
+    <dgm:txLinClrLst/>
+    <dgm:txFillClrLst meth="repeat">
+      <a:schemeClr val="dk1"/>
+    </dgm:txFillClrLst>
+    <dgm:txEffectClrLst/>
+  </dgm:styleLbl>
+  <dgm:styleLbl name="sibTrans1D1">
+    <dgm:fillClrLst meth="repeat">
+      <a:schemeClr val="dk1"/>
+    </dgm:fillClrLst>
+    <dgm:linClrLst meth="repeat">
+      <a:schemeClr val="dk1"/>
+    </dgm:linClrLst>
+    <dgm:effectClrLst/>
+    <dgm:txLinClrLst/>
+    <dgm:txFillClrLst meth="repeat">
+      <a:schemeClr val="tx1"/>
+    </dgm:txFillClrLst>
+    <dgm:txEffectClrLst/>
+  </dgm:styleLbl>
+  <dgm:styleLbl name="callout">
+    <dgm:fillClrLst meth="repeat">
+      <a:schemeClr val="dk1"/>
+    </dgm:fillClrLst>
+    <dgm:linClrLst meth="repeat">
+      <a:schemeClr val="dk1"/>
+    </dgm:linClrLst>
+    <dgm:effectClrLst/>
+    <dgm:txLinClrLst/>
+    <dgm:txFillClrLst meth="repeat">
+      <a:schemeClr val="tx1"/>
+    </dgm:txFillClrLst>
+    <dgm:txEffectClrLst/>
+  </dgm:styleLbl>
+  <dgm:styleLbl name="asst0">
+    <dgm:fillClrLst meth="repeat">
+      <a:schemeClr val="lt1"/>
+    </dgm:fillClrLst>
+    <dgm:linClrLst meth="repeat">
+      <a:schemeClr val="dk1">
+        <a:shade val="80000"/>
+      </a:schemeClr>
+    </dgm:linClrLst>
+    <dgm:effectClrLst/>
+    <dgm:txLinClrLst/>
+    <dgm:txFillClrLst meth="repeat">
+      <a:schemeClr val="dk1"/>
+    </dgm:txFillClrLst>
+    <dgm:txEffectClrLst/>
+  </dgm:styleLbl>
+  <dgm:styleLbl name="asst1">
+    <dgm:fillClrLst meth="repeat">
+      <a:schemeClr val="lt1"/>
+    </dgm:fillClrLst>
+    <dgm:linClrLst meth="repeat">
+      <a:schemeClr val="dk1">
+        <a:shade val="80000"/>
+      </a:schemeClr>
+    </dgm:linClrLst>
+    <dgm:effectClrLst/>
+    <dgm:txLinClrLst/>
+    <dgm:txFillClrLst meth="repeat">
+      <a:schemeClr val="dk1"/>
+    </dgm:txFillClrLst>
+    <dgm:txEffectClrLst/>
+  </dgm:styleLbl>
+  <dgm:styleLbl name="asst2">
+    <dgm:fillClrLst meth="repeat">
+      <a:schemeClr val="lt1"/>
+    </dgm:fillClrLst>
+    <dgm:linClrLst meth="repeat">
+      <a:schemeClr val="dk1">
+        <a:shade val="80000"/>
+      </a:schemeClr>
+    </dgm:linClrLst>
+    <dgm:effectClrLst/>
+    <dgm:txLinClrLst/>
+    <dgm:txFillClrLst meth="repeat">
+      <a:schemeClr val="dk1"/>
+    </dgm:txFillClrLst>
+    <dgm:txEffectClrLst/>
+  </dgm:styleLbl>
+  <dgm:styleLbl name="asst3">
+    <dgm:fillClrLst meth="repeat">
+      <a:schemeClr val="lt1"/>
+    </dgm:fillClrLst>
+    <dgm:linClrLst meth="repeat">
+      <a:schemeClr val="dk1">
+        <a:shade val="80000"/>
+      </a:schemeClr>
+    </dgm:linClrLst>
+    <dgm:effectClrLst/>
+    <dgm:txLinClrLst/>
+    <dgm:txFillClrLst meth="repeat">
+      <a:schemeClr val="dk1"/>
+    </dgm:txFillClrLst>
+    <dgm:txEffectClrLst/>
+  </dgm:styleLbl>
+  <dgm:styleLbl name="asst4">
+    <dgm:fillClrLst meth="repeat">
+      <a:schemeClr val="lt1"/>
+    </dgm:fillClrLst>
+    <dgm:linClrLst meth="repeat">
+      <a:schemeClr val="dk1">
+        <a:shade val="80000"/>
+      </a:schemeClr>
+    </dgm:linClrLst>
+    <dgm:effectClrLst/>
+    <dgm:txLinClrLst/>
+    <dgm:txFillClrLst meth="repeat">
+      <a:schemeClr val="dk1"/>
+    </dgm:txFillClrLst>
+    <dgm:txEffectClrLst/>
+  </dgm:styleLbl>
+  <dgm:styleLbl name="parChTrans2D1">
+    <dgm:fillClrLst meth="repeat">
+      <a:schemeClr val="dk1">
+        <a:tint val="60000"/>
+      </a:schemeClr>
+    </dgm:fillClrLst>
+    <dgm:linClrLst meth="repeat">
+      <a:schemeClr val="dk1">
+        <a:tint val="60000"/>
+      </a:schemeClr>
+    </dgm:linClrLst>
+    <dgm:effectClrLst/>
+    <dgm:txLinClrLst/>
+    <dgm:txFillClrLst/>
+    <dgm:txEffectClrLst/>
+  </dgm:styleLbl>
+  <dgm:styleLbl name="parChTrans2D2">
+    <dgm:fillClrLst meth="repeat">
+      <a:schemeClr val="dk1"/>
+    </dgm:fillClrLst>
+    <dgm:linClrLst meth="repeat">
+      <a:schemeClr val="dk1"/>
+    </dgm:linClrLst>
+    <dgm:effectClrLst/>
+    <dgm:txLinClrLst/>
+    <dgm:txFillClrLst/>
+    <dgm:txEffectClrLst/>
+  </dgm:styleLbl>
+  <dgm:styleLbl name="parChTrans2D3">
+    <dgm:fillClrLst meth="repeat">
+      <a:schemeClr val="dk1"/>
+    </dgm:fillClrLst>
+    <dgm:linClrLst meth="repeat">
+      <a:schemeClr val="dk1"/>
+    </dgm:linClrLst>
+    <dgm:effectClrLst/>
+    <dgm:txLinClrLst/>
+    <dgm:txFillClrLst/>
+    <dgm:txEffectClrLst/>
+  </dgm:styleLbl>
+  <dgm:styleLbl name="parChTrans2D4">
+    <dgm:fillClrLst meth="repeat">
+      <a:schemeClr val="dk1"/>
+    </dgm:fillClrLst>
+    <dgm:linClrLst meth="repeat">
+      <a:schemeClr val="dk1"/>
+    </dgm:linClrLst>
+    <dgm:effectClrLst/>
+    <dgm:txLinClrLst/>
+    <dgm:txFillClrLst meth="repeat">
+      <a:schemeClr val="lt1"/>
+    </dgm:txFillClrLst>
+    <dgm:txEffectClrLst/>
+  </dgm:styleLbl>
+  <dgm:styleLbl name="parChTrans1D1">
+    <dgm:fillClrLst meth="repeat">
+      <a:schemeClr val="dk1"/>
+    </dgm:fillClrLst>
+    <dgm:linClrLst meth="repeat">
+      <a:schemeClr val="dk1">
+        <a:shade val="60000"/>
+      </a:schemeClr>
+    </dgm:linClrLst>
+    <dgm:effectClrLst/>
+    <dgm:txLinClrLst/>
+    <dgm:txFillClrLst meth="repeat">
+      <a:schemeClr val="tx1"/>
+    </dgm:txFillClrLst>
+    <dgm:txEffectClrLst/>
+  </dgm:styleLbl>
+  <dgm:styleLbl name="parChTrans1D2">
+    <dgm:fillClrLst meth="repeat">
+      <a:schemeClr val="dk1"/>
+    </dgm:fillClrLst>
+    <dgm:linClrLst meth="repeat">
+      <a:schemeClr val="dk1">
+        <a:shade val="60000"/>
+      </a:schemeClr>
+    </dgm:linClrLst>
+    <dgm:effectClrLst/>
+    <dgm:txLinClrLst/>
+    <dgm:txFillClrLst meth="repeat">
+      <a:schemeClr val="tx1"/>
+    </dgm:txFillClrLst>
+    <dgm:txEffectClrLst/>
+  </dgm:styleLbl>
+  <dgm:styleLbl name="parChTrans1D3">
+    <dgm:fillClrLst meth="repeat">
+      <a:schemeClr val="dk1"/>
+    </dgm:fillClrLst>
+    <dgm:linClrLst meth="repeat">
+      <a:schemeClr val="dk1">
+        <a:shade val="80000"/>
+      </a:schemeClr>
+    </dgm:linClrLst>
+    <dgm:effectClrLst/>
+    <dgm:txLinClrLst/>
+    <dgm:txFillClrLst meth="repeat">
+      <a:schemeClr val="tx1"/>
+    </dgm:txFillClrLst>
+    <dgm:txEffectClrLst/>
+  </dgm:styleLbl>
+  <dgm:styleLbl name="parChTrans1D4">
+    <dgm:fillClrLst meth="repeat">
+      <a:schemeClr val="dk1"/>
+    </dgm:fillClrLst>
+    <dgm:linClrLst meth="repeat">
+      <a:schemeClr val="dk1">
+        <a:shade val="80000"/>
+      </a:schemeClr>
+    </dgm:linClrLst>
+    <dgm:effectClrLst/>
+    <dgm:txLinClrLst/>
+    <dgm:txFillClrLst meth="repeat">
+      <a:schemeClr val="tx1"/>
+    </dgm:txFillClrLst>
+    <dgm:txEffectClrLst/>
+  </dgm:styleLbl>
+  <dgm:styleLbl name="fgAcc1">
+    <dgm:fillClrLst meth="repeat">
+      <a:schemeClr val="dk1">
+        <a:alpha val="90000"/>
+        <a:tint val="40000"/>
+      </a:schemeClr>
+    </dgm:fillClrLst>
+    <dgm:linClrLst meth="repeat">
+      <a:schemeClr val="dk1"/>
+    </dgm:linClrLst>
+    <dgm:effectClrLst/>
+    <dgm:txLinClrLst/>
+    <dgm:txFillClrLst meth="repeat">
+      <a:schemeClr val="dk1"/>
+    </dgm:txFillClrLst>
+    <dgm:txEffectClrLst/>
+  </dgm:styleLbl>
+  <dgm:styleLbl name="conFgAcc1">
+    <dgm:fillClrLst meth="repeat">
+      <a:schemeClr val="dk1">
+        <a:alpha val="90000"/>
+        <a:tint val="40000"/>
+      </a:schemeClr>
+    </dgm:fillClrLst>
+    <dgm:linClrLst meth="repeat">
+      <a:schemeClr val="dk1"/>
+    </dgm:linClrLst>
+    <dgm:effectClrLst/>
+    <dgm:txLinClrLst/>
+    <dgm:txFillClrLst meth="repeat">
+      <a:schemeClr val="dk1"/>
+    </dgm:txFillClrLst>
+    <dgm:txEffectClrLst/>
+  </dgm:styleLbl>
+  <dgm:styleLbl name="alignAcc1">
+    <dgm:fillClrLst meth="repeat">
+      <a:schemeClr val="dk1">
+        <a:alpha val="90000"/>
+        <a:tint val="40000"/>
+      </a:schemeClr>
+    </dgm:fillClrLst>
+    <dgm:linClrLst meth="repeat">
+      <a:schemeClr val="dk1"/>
+    </dgm:linClrLst>
+    <dgm:effectClrLst/>
+    <dgm:txLinClrLst/>
+    <dgm:txFillClrLst meth="repeat">
+      <a:schemeClr val="dk1"/>
+    </dgm:txFillClrLst>
+    <dgm:txEffectClrLst/>
+  </dgm:styleLbl>
+  <dgm:styleLbl name="trAlignAcc1">
+    <dgm:fillClrLst meth="repeat">
+      <a:schemeClr val="dk1">
+        <a:alpha val="40000"/>
+        <a:tint val="40000"/>
+      </a:schemeClr>
+    </dgm:fillClrLst>
+    <dgm:linClrLst meth="repeat">
+      <a:schemeClr val="dk1"/>
+    </dgm:linClrLst>
+    <dgm:effectClrLst/>
+    <dgm:txLinClrLst/>
+    <dgm:txFillClrLst meth="repeat">
+      <a:schemeClr val="dk1"/>
+    </dgm:txFillClrLst>
+    <dgm:txEffectClrLst/>
+  </dgm:styleLbl>
+  <dgm:styleLbl name="bgAcc1">
+    <dgm:fillClrLst meth="repeat">
+      <a:schemeClr val="dk1">
+        <a:alpha val="90000"/>
+        <a:tint val="40000"/>
+      </a:schemeClr>
+    </dgm:fillClrLst>
+    <dgm:linClrLst meth="repeat">
+      <a:schemeClr val="dk1"/>
+    </dgm:linClrLst>
+    <dgm:effectClrLst/>
+    <dgm:txLinClrLst/>
+    <dgm:txFillClrLst meth="repeat">
+      <a:schemeClr val="dk1"/>
+    </dgm:txFillClrLst>
+    <dgm:txEffectClrLst/>
+  </dgm:styleLbl>
+  <dgm:styleLbl name="solidFgAcc1">
+    <dgm:fillClrLst meth="repeat">
+      <a:schemeClr val="lt1"/>
+    </dgm:fillClrLst>
+    <dgm:linClrLst meth="repeat">
+      <a:schemeClr val="dk1"/>
+    </dgm:linClrLst>
+    <dgm:effectClrLst/>
+    <dgm:txLinClrLst/>
+    <dgm:txFillClrLst meth="repeat">
+      <a:schemeClr val="dk1"/>
+    </dgm:txFillClrLst>
+    <dgm:txEffectClrLst/>
+  </dgm:styleLbl>
+  <dgm:styleLbl name="solidAlignAcc1">
+    <dgm:fillClrLst meth="repeat">
+      <a:schemeClr val="lt1"/>
+    </dgm:fillClrLst>
+    <dgm:linClrLst meth="repeat">
+      <a:schemeClr val="dk1"/>
+    </dgm:linClrLst>
+    <dgm:effectClrLst/>
+    <dgm:txLinClrLst/>
+    <dgm:txFillClrLst meth="repeat">
+      <a:schemeClr val="dk1"/>
+    </dgm:txFillClrLst>
+    <dgm:txEffectClrLst/>
+  </dgm:styleLbl>
+  <dgm:styleLbl name="solidBgAcc1">
+    <dgm:fillClrLst meth="repeat">
+      <a:schemeClr val="lt1"/>
+    </dgm:fillClrLst>
+    <dgm:linClrLst meth="repeat">
+      <a:schemeClr val="dk1"/>
+    </dgm:linClrLst>
+    <dgm:effectClrLst/>
+    <dgm:txLinClrLst/>
+    <dgm:txFillClrLst meth="repeat">
+      <a:schemeClr val="dk1"/>
+    </dgm:txFillClrLst>
+    <dgm:txEffectClrLst/>
+  </dgm:styleLbl>
+  <dgm:styleLbl name="fgAccFollowNode1">
+    <dgm:fillClrLst meth="repeat">
+      <a:schemeClr val="lt1">
+        <a:alpha val="90000"/>
+        <a:tint val="40000"/>
+      </a:schemeClr>
+    </dgm:fillClrLst>
+    <dgm:linClrLst meth="repeat">
+      <a:schemeClr val="dk1">
+        <a:alpha val="90000"/>
+      </a:schemeClr>
+    </dgm:linClrLst>
+    <dgm:effectClrLst/>
+    <dgm:txLinClrLst/>
+    <dgm:txFillClrLst meth="repeat">
+      <a:schemeClr val="dk1"/>
+    </dgm:txFillClrLst>
+    <dgm:txEffectClrLst/>
+  </dgm:styleLbl>
+  <dgm:styleLbl name="alignAccFollowNode1">
+    <dgm:fillClrLst meth="repeat">
+      <a:schemeClr val="lt1">
+        <a:alpha val="90000"/>
+        <a:tint val="40000"/>
+      </a:schemeClr>
+    </dgm:fillClrLst>
+    <dgm:linClrLst meth="repeat">
+      <a:schemeClr val="dk1">
+        <a:alpha val="90000"/>
+      </a:schemeClr>
+    </dgm:linClrLst>
+    <dgm:effectClrLst/>
+    <dgm:txLinClrLst/>
+    <dgm:txFillClrLst meth="repeat">
+      <a:schemeClr val="dk1"/>
+    </dgm:txFillClrLst>
+    <dgm:txEffectClrLst/>
+  </dgm:styleLbl>
+  <dgm:styleLbl name="bgAccFollowNode1">
+    <dgm:fillClrLst meth="repeat">
+      <a:schemeClr val="lt1">
+        <a:alpha val="90000"/>
+        <a:tint val="40000"/>
+      </a:schemeClr>
+    </dgm:fillClrLst>
+    <dgm:linClrLst meth="repeat">
+      <a:schemeClr val="dk1">
+        <a:alpha val="90000"/>
+      </a:schemeClr>
+    </dgm:linClrLst>
+    <dgm:effectClrLst/>
+    <dgm:txLinClrLst/>
+    <dgm:txFillClrLst meth="repeat">
+      <a:schemeClr val="dk1"/>
+    </dgm:txFillClrLst>
+    <dgm:txEffectClrLst/>
+  </dgm:styleLbl>
+  <dgm:styleLbl name="fgAcc0">
+    <dgm:fillClrLst meth="repeat">
+      <a:schemeClr val="dk1">
+        <a:alpha val="90000"/>
+        <a:tint val="40000"/>
+      </a:schemeClr>
+    </dgm:fillClrLst>
+    <dgm:linClrLst meth="repeat">
+      <a:schemeClr val="dk1"/>
+    </dgm:linClrLst>
+    <dgm:effectClrLst/>
+    <dgm:txLinClrLst/>
+    <dgm:txFillClrLst meth="repeat">
+      <a:schemeClr val="dk1"/>
+    </dgm:txFillClrLst>
+    <dgm:txEffectClrLst/>
+  </dgm:styleLbl>
+  <dgm:styleLbl name="fgAcc2">
+    <dgm:fillClrLst meth="repeat">
+      <a:schemeClr val="dk1">
+        <a:alpha val="90000"/>
+        <a:tint val="40000"/>
+      </a:schemeClr>
+    </dgm:fillClrLst>
+    <dgm:linClrLst meth="repeat">
+      <a:schemeClr val="dk1"/>
+    </dgm:linClrLst>
+    <dgm:effectClrLst/>
+    <dgm:txLinClrLst/>
+    <dgm:txFillClrLst meth="repeat">
+      <a:schemeClr val="dk1"/>
+    </dgm:txFillClrLst>
+    <dgm:txEffectClrLst/>
+  </dgm:styleLbl>
+  <dgm:styleLbl name="fgAcc3">
+    <dgm:fillClrLst meth="repeat">
+      <a:schemeClr val="dk1">
+        <a:alpha val="90000"/>
+        <a:tint val="40000"/>
+      </a:schemeClr>
+    </dgm:fillClrLst>
+    <dgm:linClrLst meth="repeat">
+      <a:schemeClr val="dk1"/>
+    </dgm:linClrLst>
+    <dgm:effectClrLst/>
+    <dgm:txLinClrLst/>
+    <dgm:txFillClrLst meth="repeat">
+      <a:schemeClr val="dk1"/>
+    </dgm:txFillClrLst>
+    <dgm:txEffectClrLst/>
+  </dgm:styleLbl>
+  <dgm:styleLbl name="fgAcc4">
+    <dgm:fillClrLst meth="repeat">
+      <a:schemeClr val="dk1">
+        <a:alpha val="90000"/>
+        <a:tint val="40000"/>
+      </a:schemeClr>
+    </dgm:fillClrLst>
+    <dgm:linClrLst meth="repeat">
+      <a:schemeClr val="dk1"/>
+    </dgm:linClrLst>
+    <dgm:effectClrLst/>
+    <dgm:txLinClrLst/>
+    <dgm:txFillClrLst meth="repeat">
+      <a:schemeClr val="dk1"/>
+    </dgm:txFillClrLst>
+    <dgm:txEffectClrLst/>
+  </dgm:styleLbl>
+  <dgm:styleLbl name="bgShp">
+    <dgm:fillClrLst meth="repeat">
+      <a:schemeClr val="dk1">
+        <a:tint val="40000"/>
+      </a:schemeClr>
+    </dgm:fillClrLst>
+    <dgm:linClrLst meth="repeat">
+      <a:schemeClr val="dk1"/>
+    </dgm:linClrLst>
+    <dgm:effectClrLst/>
+    <dgm:txLinClrLst/>
+    <dgm:txFillClrLst meth="repeat">
+      <a:schemeClr val="dk1"/>
+    </dgm:txFillClrLst>
+    <dgm:txEffectClrLst/>
+  </dgm:styleLbl>
+  <dgm:styleLbl name="dkBgShp">
+    <dgm:fillClrLst meth="repeat">
+      <a:schemeClr val="dk1">
+        <a:shade val="80000"/>
+      </a:schemeClr>
+    </dgm:fillClrLst>
+    <dgm:linClrLst meth="repeat">
+      <a:schemeClr val="dk1"/>
+    </dgm:linClrLst>
+    <dgm:effectClrLst/>
+    <dgm:txLinClrLst/>
+    <dgm:txFillClrLst meth="repeat">
+      <a:schemeClr val="lt1"/>
+    </dgm:txFillClrLst>
+    <dgm:txEffectClrLst/>
+  </dgm:styleLbl>
+  <dgm:styleLbl name="trBgShp">
+    <dgm:fillClrLst meth="repeat">
+      <a:schemeClr val="dk1">
+        <a:tint val="50000"/>
+        <a:alpha val="40000"/>
+      </a:schemeClr>
+    </dgm:fillClrLst>
+    <dgm:linClrLst meth="repeat">
+      <a:schemeClr val="dk1"/>
+    </dgm:linClrLst>
+    <dgm:effectClrLst/>
+    <dgm:txLinClrLst/>
+    <dgm:txFillClrLst meth="repeat">
+      <a:schemeClr val="lt1"/>
+    </dgm:txFillClrLst>
+    <dgm:txEffectClrLst/>
+  </dgm:styleLbl>
+  <dgm:styleLbl name="fgShp">
+    <dgm:fillClrLst meth="repeat">
+      <a:schemeClr val="dk1">
         <a:tint val="60000"/>
       </a:schemeClr>
     </dgm:fillClrLst>
@@ -6853,6 +7661,566 @@
   <dgm:extLst>
     <a:ext uri="http://schemas.microsoft.com/office/drawing/2008/diagram">
       <dsp:dataModelExt xmlns:dsp="http://schemas.microsoft.com/office/drawing/2008/diagram" relId="rId11" minVer="http://schemas.openxmlformats.org/drawingml/2006/diagram"/>
+    </a:ext>
+  </dgm:extLst>
+</dgm:dataModel>
+</file>
+
+<file path=ppt/diagrams/data7.xml><?xml version="1.0" encoding="utf-8"?>
+<dgm:dataModel xmlns:dgm="http://schemas.openxmlformats.org/drawingml/2006/diagram" xmlns:a="http://schemas.openxmlformats.org/drawingml/2006/main">
+  <dgm:ptLst>
+    <dgm:pt modelId="{CD0235F2-6297-46C6-89FF-75B3F41FD3D0}" type="doc">
+      <dgm:prSet loTypeId="urn:microsoft.com/office/officeart/2005/8/layout/default" loCatId="list" qsTypeId="urn:microsoft.com/office/officeart/2005/8/quickstyle/simple3" qsCatId="simple" csTypeId="urn:microsoft.com/office/officeart/2005/8/colors/accent0_1" csCatId="mainScheme" phldr="1"/>
+      <dgm:spPr/>
+      <dgm:t>
+        <a:bodyPr/>
+        <a:lstStyle/>
+        <a:p>
+          <a:endParaRPr lang="en-US"/>
+        </a:p>
+      </dgm:t>
+    </dgm:pt>
+    <dgm:pt modelId="{DF5D57B9-1E2B-4254-B1DA-DBE53BE7C6DE}">
+      <dgm:prSet phldrT="[Text]">
+        <dgm:style>
+          <a:lnRef idx="2">
+            <a:schemeClr val="dk1"/>
+          </a:lnRef>
+          <a:fillRef idx="1">
+            <a:schemeClr val="lt1"/>
+          </a:fillRef>
+          <a:effectRef idx="0">
+            <a:schemeClr val="dk1"/>
+          </a:effectRef>
+          <a:fontRef idx="minor">
+            <a:schemeClr val="dk1"/>
+          </a:fontRef>
+        </dgm:style>
+      </dgm:prSet>
+      <dgm:spPr/>
+      <dgm:t>
+        <a:bodyPr/>
+        <a:lstStyle/>
+        <a:p>
+          <a:r>
+            <a:rPr lang="zh-CN" altLang="en-US" dirty="0">
+              <a:solidFill>
+                <a:srgbClr val="C00000"/>
+              </a:solidFill>
+              <a:latin typeface="微软雅黑" panose="020B0503020204020204" pitchFamily="34" charset="-122"/>
+              <a:ea typeface="微软雅黑" panose="020B0503020204020204" pitchFamily="34" charset="-122"/>
+            </a:rPr>
+            <a:t>小程序</a:t>
+          </a:r>
+          <a:endParaRPr lang="en-US" dirty="0">
+            <a:solidFill>
+              <a:srgbClr val="C00000"/>
+            </a:solidFill>
+            <a:latin typeface="微软雅黑" panose="020B0503020204020204" pitchFamily="34" charset="-122"/>
+            <a:ea typeface="微软雅黑" panose="020B0503020204020204" pitchFamily="34" charset="-122"/>
+          </a:endParaRPr>
+        </a:p>
+      </dgm:t>
+    </dgm:pt>
+    <dgm:pt modelId="{925941CB-25FF-403C-B20F-5AFA0682E603}" type="parTrans" cxnId="{06D7D600-A6AA-4449-9E3A-C81FA628A82B}">
+      <dgm:prSet/>
+      <dgm:spPr/>
+      <dgm:t>
+        <a:bodyPr/>
+        <a:lstStyle/>
+        <a:p>
+          <a:endParaRPr lang="en-US">
+            <a:solidFill>
+              <a:srgbClr val="C00000"/>
+            </a:solidFill>
+          </a:endParaRPr>
+        </a:p>
+      </dgm:t>
+    </dgm:pt>
+    <dgm:pt modelId="{EE1746AF-B50B-4D47-8C93-F1EA5A902E19}" type="sibTrans" cxnId="{06D7D600-A6AA-4449-9E3A-C81FA628A82B}">
+      <dgm:prSet/>
+      <dgm:spPr/>
+      <dgm:t>
+        <a:bodyPr/>
+        <a:lstStyle/>
+        <a:p>
+          <a:endParaRPr lang="en-US">
+            <a:solidFill>
+              <a:srgbClr val="C00000"/>
+            </a:solidFill>
+          </a:endParaRPr>
+        </a:p>
+      </dgm:t>
+    </dgm:pt>
+    <dgm:pt modelId="{23797519-68AC-4BE5-BD21-22FA5F6CF754}">
+      <dgm:prSet phldrT="[Text]">
+        <dgm:style>
+          <a:lnRef idx="2">
+            <a:schemeClr val="dk1"/>
+          </a:lnRef>
+          <a:fillRef idx="1">
+            <a:schemeClr val="lt1"/>
+          </a:fillRef>
+          <a:effectRef idx="0">
+            <a:schemeClr val="dk1"/>
+          </a:effectRef>
+          <a:fontRef idx="minor">
+            <a:schemeClr val="dk1"/>
+          </a:fontRef>
+        </dgm:style>
+      </dgm:prSet>
+      <dgm:spPr/>
+      <dgm:t>
+        <a:bodyPr/>
+        <a:lstStyle/>
+        <a:p>
+          <a:r>
+            <a:rPr lang="zh-CN" altLang="en-US" dirty="0">
+              <a:solidFill>
+                <a:srgbClr val="C00000"/>
+              </a:solidFill>
+              <a:latin typeface="微软雅黑" panose="020B0503020204020204" pitchFamily="34" charset="-122"/>
+              <a:ea typeface="微软雅黑" panose="020B0503020204020204" pitchFamily="34" charset="-122"/>
+            </a:rPr>
+            <a:t>收银终端</a:t>
+          </a:r>
+          <a:endParaRPr lang="en-US" dirty="0">
+            <a:solidFill>
+              <a:srgbClr val="C00000"/>
+            </a:solidFill>
+            <a:latin typeface="微软雅黑" panose="020B0503020204020204" pitchFamily="34" charset="-122"/>
+            <a:ea typeface="微软雅黑" panose="020B0503020204020204" pitchFamily="34" charset="-122"/>
+          </a:endParaRPr>
+        </a:p>
+      </dgm:t>
+    </dgm:pt>
+    <dgm:pt modelId="{F97AF73B-F4FB-471E-B4BA-7837B5375324}" type="parTrans" cxnId="{FB342BDD-B204-433D-83B5-E67F3888027E}">
+      <dgm:prSet/>
+      <dgm:spPr/>
+      <dgm:t>
+        <a:bodyPr/>
+        <a:lstStyle/>
+        <a:p>
+          <a:endParaRPr lang="en-US">
+            <a:solidFill>
+              <a:srgbClr val="C00000"/>
+            </a:solidFill>
+          </a:endParaRPr>
+        </a:p>
+      </dgm:t>
+    </dgm:pt>
+    <dgm:pt modelId="{D0CD264C-84D0-49C6-B606-DB55670D596F}" type="sibTrans" cxnId="{FB342BDD-B204-433D-83B5-E67F3888027E}">
+      <dgm:prSet/>
+      <dgm:spPr/>
+      <dgm:t>
+        <a:bodyPr/>
+        <a:lstStyle/>
+        <a:p>
+          <a:endParaRPr lang="en-US">
+            <a:solidFill>
+              <a:srgbClr val="C00000"/>
+            </a:solidFill>
+          </a:endParaRPr>
+        </a:p>
+      </dgm:t>
+    </dgm:pt>
+    <dgm:pt modelId="{7C4FB3E6-2733-4011-8687-886504D3EEC5}">
+      <dgm:prSet phldrT="[Text]">
+        <dgm:style>
+          <a:lnRef idx="2">
+            <a:schemeClr val="dk1"/>
+          </a:lnRef>
+          <a:fillRef idx="1">
+            <a:schemeClr val="lt1"/>
+          </a:fillRef>
+          <a:effectRef idx="0">
+            <a:schemeClr val="dk1"/>
+          </a:effectRef>
+          <a:fontRef idx="minor">
+            <a:schemeClr val="dk1"/>
+          </a:fontRef>
+        </dgm:style>
+      </dgm:prSet>
+      <dgm:spPr/>
+      <dgm:t>
+        <a:bodyPr/>
+        <a:lstStyle/>
+        <a:p>
+          <a:r>
+            <a:rPr lang="zh-CN" altLang="en-US" dirty="0">
+              <a:solidFill>
+                <a:srgbClr val="C00000"/>
+              </a:solidFill>
+              <a:latin typeface="微软雅黑" panose="020B0503020204020204" pitchFamily="34" charset="-122"/>
+              <a:ea typeface="微软雅黑" panose="020B0503020204020204" pitchFamily="34" charset="-122"/>
+            </a:rPr>
+            <a:t>市场和商户客户端</a:t>
+          </a:r>
+          <a:endParaRPr lang="en-US" dirty="0">
+            <a:solidFill>
+              <a:srgbClr val="C00000"/>
+            </a:solidFill>
+            <a:latin typeface="微软雅黑" panose="020B0503020204020204" pitchFamily="34" charset="-122"/>
+            <a:ea typeface="微软雅黑" panose="020B0503020204020204" pitchFamily="34" charset="-122"/>
+          </a:endParaRPr>
+        </a:p>
+      </dgm:t>
+    </dgm:pt>
+    <dgm:pt modelId="{C5A1BF6F-A033-4F91-A1C7-10F2B42399B3}" type="parTrans" cxnId="{2460513E-A1DC-4524-AF57-48128AA94120}">
+      <dgm:prSet/>
+      <dgm:spPr/>
+      <dgm:t>
+        <a:bodyPr/>
+        <a:lstStyle/>
+        <a:p>
+          <a:endParaRPr lang="en-US">
+            <a:solidFill>
+              <a:srgbClr val="C00000"/>
+            </a:solidFill>
+          </a:endParaRPr>
+        </a:p>
+      </dgm:t>
+    </dgm:pt>
+    <dgm:pt modelId="{37378699-9B21-44EE-8CA3-F3C8798AD654}" type="sibTrans" cxnId="{2460513E-A1DC-4524-AF57-48128AA94120}">
+      <dgm:prSet/>
+      <dgm:spPr/>
+      <dgm:t>
+        <a:bodyPr/>
+        <a:lstStyle/>
+        <a:p>
+          <a:endParaRPr lang="en-US">
+            <a:solidFill>
+              <a:srgbClr val="C00000"/>
+            </a:solidFill>
+          </a:endParaRPr>
+        </a:p>
+      </dgm:t>
+    </dgm:pt>
+    <dgm:pt modelId="{78C74425-42FB-4BAB-BB59-07045DC9DED4}">
+      <dgm:prSet phldrT="[Text]">
+        <dgm:style>
+          <a:lnRef idx="2">
+            <a:schemeClr val="dk1"/>
+          </a:lnRef>
+          <a:fillRef idx="1">
+            <a:schemeClr val="lt1"/>
+          </a:fillRef>
+          <a:effectRef idx="0">
+            <a:schemeClr val="dk1"/>
+          </a:effectRef>
+          <a:fontRef idx="minor">
+            <a:schemeClr val="dk1"/>
+          </a:fontRef>
+        </dgm:style>
+      </dgm:prSet>
+      <dgm:spPr/>
+      <dgm:t>
+        <a:bodyPr/>
+        <a:lstStyle/>
+        <a:p>
+          <a:r>
+            <a:rPr lang="zh-CN" altLang="en-US" dirty="0">
+              <a:solidFill>
+                <a:srgbClr val="C00000"/>
+              </a:solidFill>
+              <a:latin typeface="微软雅黑" panose="020B0503020204020204" pitchFamily="34" charset="-122"/>
+              <a:ea typeface="微软雅黑" panose="020B0503020204020204" pitchFamily="34" charset="-122"/>
+            </a:rPr>
+            <a:t>供应和商户客户端</a:t>
+          </a:r>
+          <a:endParaRPr lang="en-US" dirty="0">
+            <a:solidFill>
+              <a:srgbClr val="C00000"/>
+            </a:solidFill>
+            <a:latin typeface="微软雅黑" panose="020B0503020204020204" pitchFamily="34" charset="-122"/>
+            <a:ea typeface="微软雅黑" panose="020B0503020204020204" pitchFamily="34" charset="-122"/>
+          </a:endParaRPr>
+        </a:p>
+      </dgm:t>
+    </dgm:pt>
+    <dgm:pt modelId="{F1721DB6-307F-4672-83C8-1A1D50A66125}" type="parTrans" cxnId="{B5F5012B-A5A6-4C28-92EB-1032C6233645}">
+      <dgm:prSet/>
+      <dgm:spPr/>
+      <dgm:t>
+        <a:bodyPr/>
+        <a:lstStyle/>
+        <a:p>
+          <a:endParaRPr lang="en-US">
+            <a:solidFill>
+              <a:srgbClr val="C00000"/>
+            </a:solidFill>
+          </a:endParaRPr>
+        </a:p>
+      </dgm:t>
+    </dgm:pt>
+    <dgm:pt modelId="{F6687D56-3920-4E67-A9CA-D031D108EB91}" type="sibTrans" cxnId="{B5F5012B-A5A6-4C28-92EB-1032C6233645}">
+      <dgm:prSet/>
+      <dgm:spPr/>
+      <dgm:t>
+        <a:bodyPr/>
+        <a:lstStyle/>
+        <a:p>
+          <a:endParaRPr lang="en-US">
+            <a:solidFill>
+              <a:srgbClr val="C00000"/>
+            </a:solidFill>
+          </a:endParaRPr>
+        </a:p>
+      </dgm:t>
+    </dgm:pt>
+    <dgm:pt modelId="{2EBDC89A-96BE-4F4A-B6B3-13EA1D574757}">
+      <dgm:prSet phldrT="[Text]">
+        <dgm:style>
+          <a:lnRef idx="2">
+            <a:schemeClr val="dk1"/>
+          </a:lnRef>
+          <a:fillRef idx="1">
+            <a:schemeClr val="lt1"/>
+          </a:fillRef>
+          <a:effectRef idx="0">
+            <a:schemeClr val="dk1"/>
+          </a:effectRef>
+          <a:fontRef idx="minor">
+            <a:schemeClr val="dk1"/>
+          </a:fontRef>
+        </dgm:style>
+      </dgm:prSet>
+      <dgm:spPr/>
+      <dgm:t>
+        <a:bodyPr/>
+        <a:lstStyle/>
+        <a:p>
+          <a:r>
+            <a:rPr lang="zh-CN" altLang="en-US" dirty="0">
+              <a:solidFill>
+                <a:srgbClr val="C00000"/>
+              </a:solidFill>
+              <a:latin typeface="微软雅黑" panose="020B0503020204020204" pitchFamily="34" charset="-122"/>
+              <a:ea typeface="微软雅黑" panose="020B0503020204020204" pitchFamily="34" charset="-122"/>
+            </a:rPr>
+            <a:t>其他客户端</a:t>
+          </a:r>
+          <a:endParaRPr lang="en-US" dirty="0">
+            <a:solidFill>
+              <a:srgbClr val="C00000"/>
+            </a:solidFill>
+            <a:latin typeface="微软雅黑" panose="020B0503020204020204" pitchFamily="34" charset="-122"/>
+            <a:ea typeface="微软雅黑" panose="020B0503020204020204" pitchFamily="34" charset="-122"/>
+          </a:endParaRPr>
+        </a:p>
+      </dgm:t>
+    </dgm:pt>
+    <dgm:pt modelId="{118DC2A6-8448-4277-872A-6FAB47BB742E}" type="parTrans" cxnId="{99388F33-559B-4A57-8C86-616E656DA94C}">
+      <dgm:prSet/>
+      <dgm:spPr/>
+      <dgm:t>
+        <a:bodyPr/>
+        <a:lstStyle/>
+        <a:p>
+          <a:endParaRPr lang="en-US">
+            <a:solidFill>
+              <a:srgbClr val="C00000"/>
+            </a:solidFill>
+          </a:endParaRPr>
+        </a:p>
+      </dgm:t>
+    </dgm:pt>
+    <dgm:pt modelId="{13A2E602-7BB4-4497-AA31-2A0C07B805B3}" type="sibTrans" cxnId="{99388F33-559B-4A57-8C86-616E656DA94C}">
+      <dgm:prSet/>
+      <dgm:spPr/>
+      <dgm:t>
+        <a:bodyPr/>
+        <a:lstStyle/>
+        <a:p>
+          <a:endParaRPr lang="en-US">
+            <a:solidFill>
+              <a:srgbClr val="C00000"/>
+            </a:solidFill>
+          </a:endParaRPr>
+        </a:p>
+      </dgm:t>
+    </dgm:pt>
+    <dgm:pt modelId="{10A651C2-0D31-4732-B2D6-E892F83EF791}">
+      <dgm:prSet phldrT="[Text]">
+        <dgm:style>
+          <a:lnRef idx="2">
+            <a:schemeClr val="dk1"/>
+          </a:lnRef>
+          <a:fillRef idx="1">
+            <a:schemeClr val="lt1"/>
+          </a:fillRef>
+          <a:effectRef idx="0">
+            <a:schemeClr val="dk1"/>
+          </a:effectRef>
+          <a:fontRef idx="minor">
+            <a:schemeClr val="dk1"/>
+          </a:fontRef>
+        </dgm:style>
+      </dgm:prSet>
+      <dgm:spPr/>
+      <dgm:t>
+        <a:bodyPr/>
+        <a:lstStyle/>
+        <a:p>
+          <a:r>
+            <a:rPr lang="zh-CN" altLang="en-US" dirty="0">
+              <a:solidFill>
+                <a:srgbClr val="C00000"/>
+              </a:solidFill>
+              <a:latin typeface="微软雅黑" panose="020B0503020204020204" pitchFamily="34" charset="-122"/>
+              <a:ea typeface="微软雅黑" panose="020B0503020204020204" pitchFamily="34" charset="-122"/>
+            </a:rPr>
+            <a:t>平台管理</a:t>
+          </a:r>
+          <a:endParaRPr lang="en-US" dirty="0">
+            <a:solidFill>
+              <a:srgbClr val="C00000"/>
+            </a:solidFill>
+            <a:latin typeface="微软雅黑" panose="020B0503020204020204" pitchFamily="34" charset="-122"/>
+            <a:ea typeface="微软雅黑" panose="020B0503020204020204" pitchFamily="34" charset="-122"/>
+          </a:endParaRPr>
+        </a:p>
+      </dgm:t>
+    </dgm:pt>
+    <dgm:pt modelId="{951301F0-CEF1-4040-91C9-8A1055CDD55D}" type="parTrans" cxnId="{2C30A777-44BD-40CC-9BB1-8C2FE996959A}">
+      <dgm:prSet/>
+      <dgm:spPr/>
+      <dgm:t>
+        <a:bodyPr/>
+        <a:lstStyle/>
+        <a:p>
+          <a:endParaRPr lang="en-US">
+            <a:solidFill>
+              <a:srgbClr val="C00000"/>
+            </a:solidFill>
+          </a:endParaRPr>
+        </a:p>
+      </dgm:t>
+    </dgm:pt>
+    <dgm:pt modelId="{80BD7D77-502B-463D-BB85-043029A293D7}" type="sibTrans" cxnId="{2C30A777-44BD-40CC-9BB1-8C2FE996959A}">
+      <dgm:prSet/>
+      <dgm:spPr/>
+      <dgm:t>
+        <a:bodyPr/>
+        <a:lstStyle/>
+        <a:p>
+          <a:endParaRPr lang="en-US">
+            <a:solidFill>
+              <a:srgbClr val="C00000"/>
+            </a:solidFill>
+          </a:endParaRPr>
+        </a:p>
+      </dgm:t>
+    </dgm:pt>
+    <dgm:pt modelId="{F2A38F9E-7647-4619-A34E-CC98A3545726}" type="pres">
+      <dgm:prSet presAssocID="{CD0235F2-6297-46C6-89FF-75B3F41FD3D0}" presName="diagram" presStyleCnt="0">
+        <dgm:presLayoutVars>
+          <dgm:dir/>
+          <dgm:resizeHandles val="exact"/>
+        </dgm:presLayoutVars>
+      </dgm:prSet>
+      <dgm:spPr/>
+    </dgm:pt>
+    <dgm:pt modelId="{D82BF48A-CADD-40CD-A90A-E24CBA570D96}" type="pres">
+      <dgm:prSet presAssocID="{DF5D57B9-1E2B-4254-B1DA-DBE53BE7C6DE}" presName="node" presStyleLbl="node1" presStyleIdx="0" presStyleCnt="6">
+        <dgm:presLayoutVars>
+          <dgm:bulletEnabled val="1"/>
+        </dgm:presLayoutVars>
+      </dgm:prSet>
+      <dgm:spPr/>
+    </dgm:pt>
+    <dgm:pt modelId="{F3D2C4E1-BF47-4520-803A-78089455876D}" type="pres">
+      <dgm:prSet presAssocID="{EE1746AF-B50B-4D47-8C93-F1EA5A902E19}" presName="sibTrans" presStyleCnt="0"/>
+      <dgm:spPr/>
+    </dgm:pt>
+    <dgm:pt modelId="{EEF266B2-E08C-4B35-A9D3-4E207C4AB266}" type="pres">
+      <dgm:prSet presAssocID="{23797519-68AC-4BE5-BD21-22FA5F6CF754}" presName="node" presStyleLbl="node1" presStyleIdx="1" presStyleCnt="6">
+        <dgm:presLayoutVars>
+          <dgm:bulletEnabled val="1"/>
+        </dgm:presLayoutVars>
+      </dgm:prSet>
+      <dgm:spPr/>
+    </dgm:pt>
+    <dgm:pt modelId="{FF168F67-C0CF-408D-9B6A-8F28912A1190}" type="pres">
+      <dgm:prSet presAssocID="{D0CD264C-84D0-49C6-B606-DB55670D596F}" presName="sibTrans" presStyleCnt="0"/>
+      <dgm:spPr/>
+    </dgm:pt>
+    <dgm:pt modelId="{AD333B2E-FE10-4563-A880-DB62AC553307}" type="pres">
+      <dgm:prSet presAssocID="{7C4FB3E6-2733-4011-8687-886504D3EEC5}" presName="node" presStyleLbl="node1" presStyleIdx="2" presStyleCnt="6">
+        <dgm:presLayoutVars>
+          <dgm:bulletEnabled val="1"/>
+        </dgm:presLayoutVars>
+      </dgm:prSet>
+      <dgm:spPr/>
+    </dgm:pt>
+    <dgm:pt modelId="{1C89A780-18FD-4202-9B59-7000C1457A39}" type="pres">
+      <dgm:prSet presAssocID="{37378699-9B21-44EE-8CA3-F3C8798AD654}" presName="sibTrans" presStyleCnt="0"/>
+      <dgm:spPr/>
+    </dgm:pt>
+    <dgm:pt modelId="{7CC8ED18-6AEB-4DFB-BA30-541A51389DC2}" type="pres">
+      <dgm:prSet presAssocID="{78C74425-42FB-4BAB-BB59-07045DC9DED4}" presName="node" presStyleLbl="node1" presStyleIdx="3" presStyleCnt="6">
+        <dgm:presLayoutVars>
+          <dgm:bulletEnabled val="1"/>
+        </dgm:presLayoutVars>
+      </dgm:prSet>
+      <dgm:spPr/>
+    </dgm:pt>
+    <dgm:pt modelId="{D3BFD728-4387-4A69-8C6C-1DDE93B2D96F}" type="pres">
+      <dgm:prSet presAssocID="{F6687D56-3920-4E67-A9CA-D031D108EB91}" presName="sibTrans" presStyleCnt="0"/>
+      <dgm:spPr/>
+    </dgm:pt>
+    <dgm:pt modelId="{F6DC83FB-D4F1-43B6-87C4-A7AD6EFB6FE1}" type="pres">
+      <dgm:prSet presAssocID="{10A651C2-0D31-4732-B2D6-E892F83EF791}" presName="node" presStyleLbl="node1" presStyleIdx="4" presStyleCnt="6">
+        <dgm:presLayoutVars>
+          <dgm:bulletEnabled val="1"/>
+        </dgm:presLayoutVars>
+      </dgm:prSet>
+      <dgm:spPr/>
+    </dgm:pt>
+    <dgm:pt modelId="{50C12A9F-A346-4EB6-ABE6-973419DA30DA}" type="pres">
+      <dgm:prSet presAssocID="{80BD7D77-502B-463D-BB85-043029A293D7}" presName="sibTrans" presStyleCnt="0"/>
+      <dgm:spPr/>
+    </dgm:pt>
+    <dgm:pt modelId="{1E5E41F7-2142-4F48-ADB9-F7890967590E}" type="pres">
+      <dgm:prSet presAssocID="{2EBDC89A-96BE-4F4A-B6B3-13EA1D574757}" presName="node" presStyleLbl="node1" presStyleIdx="5" presStyleCnt="6">
+        <dgm:presLayoutVars>
+          <dgm:bulletEnabled val="1"/>
+        </dgm:presLayoutVars>
+      </dgm:prSet>
+      <dgm:spPr/>
+    </dgm:pt>
+  </dgm:ptLst>
+  <dgm:cxnLst>
+    <dgm:cxn modelId="{06D7D600-A6AA-4449-9E3A-C81FA628A82B}" srcId="{CD0235F2-6297-46C6-89FF-75B3F41FD3D0}" destId="{DF5D57B9-1E2B-4254-B1DA-DBE53BE7C6DE}" srcOrd="0" destOrd="0" parTransId="{925941CB-25FF-403C-B20F-5AFA0682E603}" sibTransId="{EE1746AF-B50B-4D47-8C93-F1EA5A902E19}"/>
+    <dgm:cxn modelId="{B5F5012B-A5A6-4C28-92EB-1032C6233645}" srcId="{CD0235F2-6297-46C6-89FF-75B3F41FD3D0}" destId="{78C74425-42FB-4BAB-BB59-07045DC9DED4}" srcOrd="3" destOrd="0" parTransId="{F1721DB6-307F-4672-83C8-1A1D50A66125}" sibTransId="{F6687D56-3920-4E67-A9CA-D031D108EB91}"/>
+    <dgm:cxn modelId="{99388F33-559B-4A57-8C86-616E656DA94C}" srcId="{CD0235F2-6297-46C6-89FF-75B3F41FD3D0}" destId="{2EBDC89A-96BE-4F4A-B6B3-13EA1D574757}" srcOrd="5" destOrd="0" parTransId="{118DC2A6-8448-4277-872A-6FAB47BB742E}" sibTransId="{13A2E602-7BB4-4497-AA31-2A0C07B805B3}"/>
+    <dgm:cxn modelId="{2460513E-A1DC-4524-AF57-48128AA94120}" srcId="{CD0235F2-6297-46C6-89FF-75B3F41FD3D0}" destId="{7C4FB3E6-2733-4011-8687-886504D3EEC5}" srcOrd="2" destOrd="0" parTransId="{C5A1BF6F-A033-4F91-A1C7-10F2B42399B3}" sibTransId="{37378699-9B21-44EE-8CA3-F3C8798AD654}"/>
+    <dgm:cxn modelId="{1039FC65-655A-4432-A1B8-9871A4CE4B45}" type="presOf" srcId="{7C4FB3E6-2733-4011-8687-886504D3EEC5}" destId="{AD333B2E-FE10-4563-A880-DB62AC553307}" srcOrd="0" destOrd="0" presId="urn:microsoft.com/office/officeart/2005/8/layout/default"/>
+    <dgm:cxn modelId="{5C9B6A4E-269D-4717-A278-18A6CE66DAC0}" type="presOf" srcId="{78C74425-42FB-4BAB-BB59-07045DC9DED4}" destId="{7CC8ED18-6AEB-4DFB-BA30-541A51389DC2}" srcOrd="0" destOrd="0" presId="urn:microsoft.com/office/officeart/2005/8/layout/default"/>
+    <dgm:cxn modelId="{63422C71-4497-46CC-BADF-8AB71F4E1B81}" type="presOf" srcId="{CD0235F2-6297-46C6-89FF-75B3F41FD3D0}" destId="{F2A38F9E-7647-4619-A34E-CC98A3545726}" srcOrd="0" destOrd="0" presId="urn:microsoft.com/office/officeart/2005/8/layout/default"/>
+    <dgm:cxn modelId="{2F647775-1F82-4860-BA3F-D88587C0F7E1}" type="presOf" srcId="{DF5D57B9-1E2B-4254-B1DA-DBE53BE7C6DE}" destId="{D82BF48A-CADD-40CD-A90A-E24CBA570D96}" srcOrd="0" destOrd="0" presId="urn:microsoft.com/office/officeart/2005/8/layout/default"/>
+    <dgm:cxn modelId="{2C30A777-44BD-40CC-9BB1-8C2FE996959A}" srcId="{CD0235F2-6297-46C6-89FF-75B3F41FD3D0}" destId="{10A651C2-0D31-4732-B2D6-E892F83EF791}" srcOrd="4" destOrd="0" parTransId="{951301F0-CEF1-4040-91C9-8A1055CDD55D}" sibTransId="{80BD7D77-502B-463D-BB85-043029A293D7}"/>
+    <dgm:cxn modelId="{55C92CAF-AE2F-4662-AFF1-60BBBA56E5ED}" type="presOf" srcId="{10A651C2-0D31-4732-B2D6-E892F83EF791}" destId="{F6DC83FB-D4F1-43B6-87C4-A7AD6EFB6FE1}" srcOrd="0" destOrd="0" presId="urn:microsoft.com/office/officeart/2005/8/layout/default"/>
+    <dgm:cxn modelId="{FB342BDD-B204-433D-83B5-E67F3888027E}" srcId="{CD0235F2-6297-46C6-89FF-75B3F41FD3D0}" destId="{23797519-68AC-4BE5-BD21-22FA5F6CF754}" srcOrd="1" destOrd="0" parTransId="{F97AF73B-F4FB-471E-B4BA-7837B5375324}" sibTransId="{D0CD264C-84D0-49C6-B606-DB55670D596F}"/>
+    <dgm:cxn modelId="{F80697E9-1335-405B-9CB9-FF0E9AA9C9A2}" type="presOf" srcId="{23797519-68AC-4BE5-BD21-22FA5F6CF754}" destId="{EEF266B2-E08C-4B35-A9D3-4E207C4AB266}" srcOrd="0" destOrd="0" presId="urn:microsoft.com/office/officeart/2005/8/layout/default"/>
+    <dgm:cxn modelId="{A13D49ED-0AAA-4E49-B071-57A6BA3AEAE3}" type="presOf" srcId="{2EBDC89A-96BE-4F4A-B6B3-13EA1D574757}" destId="{1E5E41F7-2142-4F48-ADB9-F7890967590E}" srcOrd="0" destOrd="0" presId="urn:microsoft.com/office/officeart/2005/8/layout/default"/>
+    <dgm:cxn modelId="{A96B4B46-0CB8-4CEE-BE7B-B6E3602F132B}" type="presParOf" srcId="{F2A38F9E-7647-4619-A34E-CC98A3545726}" destId="{D82BF48A-CADD-40CD-A90A-E24CBA570D96}" srcOrd="0" destOrd="0" presId="urn:microsoft.com/office/officeart/2005/8/layout/default"/>
+    <dgm:cxn modelId="{DE811F1D-3505-415A-B501-AD8F0F6F8A59}" type="presParOf" srcId="{F2A38F9E-7647-4619-A34E-CC98A3545726}" destId="{F3D2C4E1-BF47-4520-803A-78089455876D}" srcOrd="1" destOrd="0" presId="urn:microsoft.com/office/officeart/2005/8/layout/default"/>
+    <dgm:cxn modelId="{51139B12-E277-48D0-906B-46BB5A08046A}" type="presParOf" srcId="{F2A38F9E-7647-4619-A34E-CC98A3545726}" destId="{EEF266B2-E08C-4B35-A9D3-4E207C4AB266}" srcOrd="2" destOrd="0" presId="urn:microsoft.com/office/officeart/2005/8/layout/default"/>
+    <dgm:cxn modelId="{9DB7CFE5-05BA-4202-9F41-9B332F196A33}" type="presParOf" srcId="{F2A38F9E-7647-4619-A34E-CC98A3545726}" destId="{FF168F67-C0CF-408D-9B6A-8F28912A1190}" srcOrd="3" destOrd="0" presId="urn:microsoft.com/office/officeart/2005/8/layout/default"/>
+    <dgm:cxn modelId="{FC9FA04A-1EB8-4855-A51D-51D069202E76}" type="presParOf" srcId="{F2A38F9E-7647-4619-A34E-CC98A3545726}" destId="{AD333B2E-FE10-4563-A880-DB62AC553307}" srcOrd="4" destOrd="0" presId="urn:microsoft.com/office/officeart/2005/8/layout/default"/>
+    <dgm:cxn modelId="{FEC9CDEA-30F4-4086-840C-4470C718E7B6}" type="presParOf" srcId="{F2A38F9E-7647-4619-A34E-CC98A3545726}" destId="{1C89A780-18FD-4202-9B59-7000C1457A39}" srcOrd="5" destOrd="0" presId="urn:microsoft.com/office/officeart/2005/8/layout/default"/>
+    <dgm:cxn modelId="{1EAFF612-47F2-4778-BFF9-09A02B3BC05E}" type="presParOf" srcId="{F2A38F9E-7647-4619-A34E-CC98A3545726}" destId="{7CC8ED18-6AEB-4DFB-BA30-541A51389DC2}" srcOrd="6" destOrd="0" presId="urn:microsoft.com/office/officeart/2005/8/layout/default"/>
+    <dgm:cxn modelId="{9AFC49FD-B251-4793-8148-003FF5AC9F8E}" type="presParOf" srcId="{F2A38F9E-7647-4619-A34E-CC98A3545726}" destId="{D3BFD728-4387-4A69-8C6C-1DDE93B2D96F}" srcOrd="7" destOrd="0" presId="urn:microsoft.com/office/officeart/2005/8/layout/default"/>
+    <dgm:cxn modelId="{25CC48D6-8B13-4229-9731-04CC5CD456A4}" type="presParOf" srcId="{F2A38F9E-7647-4619-A34E-CC98A3545726}" destId="{F6DC83FB-D4F1-43B6-87C4-A7AD6EFB6FE1}" srcOrd="8" destOrd="0" presId="urn:microsoft.com/office/officeart/2005/8/layout/default"/>
+    <dgm:cxn modelId="{9FEDBE82-4D10-4FAC-9A84-C14750F65D4F}" type="presParOf" srcId="{F2A38F9E-7647-4619-A34E-CC98A3545726}" destId="{50C12A9F-A346-4EB6-ABE6-973419DA30DA}" srcOrd="9" destOrd="0" presId="urn:microsoft.com/office/officeart/2005/8/layout/default"/>
+    <dgm:cxn modelId="{52429947-547F-49A2-9015-6A2313CCA707}" type="presParOf" srcId="{F2A38F9E-7647-4619-A34E-CC98A3545726}" destId="{1E5E41F7-2142-4F48-ADB9-F7890967590E}" srcOrd="10" destOrd="0" presId="urn:microsoft.com/office/officeart/2005/8/layout/default"/>
+  </dgm:cxnLst>
+  <dgm:bg/>
+  <dgm:whole/>
+  <dgm:extLst>
+    <a:ext uri="http://schemas.microsoft.com/office/drawing/2008/diagram">
+      <dsp:dataModelExt xmlns:dsp="http://schemas.microsoft.com/office/drawing/2008/diagram" relId="rId9" minVer="http://schemas.openxmlformats.org/drawingml/2006/diagram"/>
     </a:ext>
   </dgm:extLst>
 </dgm:dataModel>
@@ -10100,6 +11468,528 @@
 </dsp:drawing>
 </file>
 
+<file path=ppt/diagrams/drawing7.xml><?xml version="1.0" encoding="utf-8"?>
+<dsp:drawing xmlns:dgm="http://schemas.openxmlformats.org/drawingml/2006/diagram" xmlns:dsp="http://schemas.microsoft.com/office/drawing/2008/diagram" xmlns:a="http://schemas.openxmlformats.org/drawingml/2006/main">
+  <dsp:spTree>
+    <dsp:nvGrpSpPr>
+      <dsp:cNvPr id="0" name=""/>
+      <dsp:cNvGrpSpPr/>
+    </dsp:nvGrpSpPr>
+    <dsp:grpSpPr/>
+    <dsp:sp modelId="{D82BF48A-CADD-40CD-A90A-E24CBA570D96}">
+      <dsp:nvSpPr>
+        <dsp:cNvPr id="0" name=""/>
+        <dsp:cNvSpPr/>
+      </dsp:nvSpPr>
+      <dsp:spPr>
+        <a:xfrm>
+          <a:off x="643996" y="197"/>
+          <a:ext cx="1128045" cy="676827"/>
+        </a:xfrm>
+        <a:prstGeom prst="rect">
+          <a:avLst/>
+        </a:prstGeom>
+        <a:solidFill>
+          <a:schemeClr val="lt1"/>
+        </a:solidFill>
+        <a:ln w="15875" cap="flat" cmpd="sng" algn="ctr">
+          <a:solidFill>
+            <a:schemeClr val="dk1"/>
+          </a:solidFill>
+          <a:prstDash val="solid"/>
+        </a:ln>
+        <a:effectLst/>
+        <a:scene3d>
+          <a:camera prst="orthographicFront"/>
+          <a:lightRig rig="flat" dir="t"/>
+        </a:scene3d>
+        <a:sp3d/>
+      </dsp:spPr>
+      <dsp:style>
+        <a:lnRef idx="2">
+          <a:schemeClr val="dk1"/>
+        </a:lnRef>
+        <a:fillRef idx="1">
+          <a:schemeClr val="lt1"/>
+        </a:fillRef>
+        <a:effectRef idx="0">
+          <a:schemeClr val="dk1"/>
+        </a:effectRef>
+        <a:fontRef idx="minor">
+          <a:schemeClr val="dk1"/>
+        </a:fontRef>
+      </dsp:style>
+      <dsp:txBody>
+        <a:bodyPr spcFirstLastPara="0" vert="horz" wrap="square" lIns="53340" tIns="53340" rIns="53340" bIns="53340" numCol="1" spcCol="1270" anchor="ctr" anchorCtr="0">
+          <a:noAutofit/>
+        </a:bodyPr>
+        <a:lstStyle/>
+        <a:p>
+          <a:pPr marL="0" lvl="0" indent="0" algn="ctr" defTabSz="622300">
+            <a:lnSpc>
+              <a:spcPct val="90000"/>
+            </a:lnSpc>
+            <a:spcBef>
+              <a:spcPct val="0"/>
+            </a:spcBef>
+            <a:spcAft>
+              <a:spcPct val="35000"/>
+            </a:spcAft>
+            <a:buNone/>
+          </a:pPr>
+          <a:r>
+            <a:rPr lang="zh-CN" altLang="en-US" sz="1400" kern="1200" dirty="0">
+              <a:solidFill>
+                <a:srgbClr val="C00000"/>
+              </a:solidFill>
+              <a:latin typeface="微软雅黑" panose="020B0503020204020204" pitchFamily="34" charset="-122"/>
+              <a:ea typeface="微软雅黑" panose="020B0503020204020204" pitchFamily="34" charset="-122"/>
+            </a:rPr>
+            <a:t>小程序</a:t>
+          </a:r>
+          <a:endParaRPr lang="en-US" sz="1400" kern="1200" dirty="0">
+            <a:solidFill>
+              <a:srgbClr val="C00000"/>
+            </a:solidFill>
+            <a:latin typeface="微软雅黑" panose="020B0503020204020204" pitchFamily="34" charset="-122"/>
+            <a:ea typeface="微软雅黑" panose="020B0503020204020204" pitchFamily="34" charset="-122"/>
+          </a:endParaRPr>
+        </a:p>
+      </dsp:txBody>
+      <dsp:txXfrm>
+        <a:off x="643996" y="197"/>
+        <a:ext cx="1128045" cy="676827"/>
+      </dsp:txXfrm>
+    </dsp:sp>
+    <dsp:sp modelId="{EEF266B2-E08C-4B35-A9D3-4E207C4AB266}">
+      <dsp:nvSpPr>
+        <dsp:cNvPr id="0" name=""/>
+        <dsp:cNvSpPr/>
+      </dsp:nvSpPr>
+      <dsp:spPr>
+        <a:xfrm>
+          <a:off x="1884846" y="197"/>
+          <a:ext cx="1128045" cy="676827"/>
+        </a:xfrm>
+        <a:prstGeom prst="rect">
+          <a:avLst/>
+        </a:prstGeom>
+        <a:solidFill>
+          <a:schemeClr val="lt1"/>
+        </a:solidFill>
+        <a:ln w="15875" cap="flat" cmpd="sng" algn="ctr">
+          <a:solidFill>
+            <a:schemeClr val="dk1"/>
+          </a:solidFill>
+          <a:prstDash val="solid"/>
+        </a:ln>
+        <a:effectLst/>
+        <a:scene3d>
+          <a:camera prst="orthographicFront"/>
+          <a:lightRig rig="flat" dir="t"/>
+        </a:scene3d>
+        <a:sp3d/>
+      </dsp:spPr>
+      <dsp:style>
+        <a:lnRef idx="2">
+          <a:schemeClr val="dk1"/>
+        </a:lnRef>
+        <a:fillRef idx="1">
+          <a:schemeClr val="lt1"/>
+        </a:fillRef>
+        <a:effectRef idx="0">
+          <a:schemeClr val="dk1"/>
+        </a:effectRef>
+        <a:fontRef idx="minor">
+          <a:schemeClr val="dk1"/>
+        </a:fontRef>
+      </dsp:style>
+      <dsp:txBody>
+        <a:bodyPr spcFirstLastPara="0" vert="horz" wrap="square" lIns="53340" tIns="53340" rIns="53340" bIns="53340" numCol="1" spcCol="1270" anchor="ctr" anchorCtr="0">
+          <a:noAutofit/>
+        </a:bodyPr>
+        <a:lstStyle/>
+        <a:p>
+          <a:pPr marL="0" lvl="0" indent="0" algn="ctr" defTabSz="622300">
+            <a:lnSpc>
+              <a:spcPct val="90000"/>
+            </a:lnSpc>
+            <a:spcBef>
+              <a:spcPct val="0"/>
+            </a:spcBef>
+            <a:spcAft>
+              <a:spcPct val="35000"/>
+            </a:spcAft>
+            <a:buNone/>
+          </a:pPr>
+          <a:r>
+            <a:rPr lang="zh-CN" altLang="en-US" sz="1400" kern="1200" dirty="0">
+              <a:solidFill>
+                <a:srgbClr val="C00000"/>
+              </a:solidFill>
+              <a:latin typeface="微软雅黑" panose="020B0503020204020204" pitchFamily="34" charset="-122"/>
+              <a:ea typeface="微软雅黑" panose="020B0503020204020204" pitchFamily="34" charset="-122"/>
+            </a:rPr>
+            <a:t>收银终端</a:t>
+          </a:r>
+          <a:endParaRPr lang="en-US" sz="1400" kern="1200" dirty="0">
+            <a:solidFill>
+              <a:srgbClr val="C00000"/>
+            </a:solidFill>
+            <a:latin typeface="微软雅黑" panose="020B0503020204020204" pitchFamily="34" charset="-122"/>
+            <a:ea typeface="微软雅黑" panose="020B0503020204020204" pitchFamily="34" charset="-122"/>
+          </a:endParaRPr>
+        </a:p>
+      </dsp:txBody>
+      <dsp:txXfrm>
+        <a:off x="1884846" y="197"/>
+        <a:ext cx="1128045" cy="676827"/>
+      </dsp:txXfrm>
+    </dsp:sp>
+    <dsp:sp modelId="{AD333B2E-FE10-4563-A880-DB62AC553307}">
+      <dsp:nvSpPr>
+        <dsp:cNvPr id="0" name=""/>
+        <dsp:cNvSpPr/>
+      </dsp:nvSpPr>
+      <dsp:spPr>
+        <a:xfrm>
+          <a:off x="3125696" y="197"/>
+          <a:ext cx="1128045" cy="676827"/>
+        </a:xfrm>
+        <a:prstGeom prst="rect">
+          <a:avLst/>
+        </a:prstGeom>
+        <a:solidFill>
+          <a:schemeClr val="lt1"/>
+        </a:solidFill>
+        <a:ln w="15875" cap="flat" cmpd="sng" algn="ctr">
+          <a:solidFill>
+            <a:schemeClr val="dk1"/>
+          </a:solidFill>
+          <a:prstDash val="solid"/>
+        </a:ln>
+        <a:effectLst/>
+        <a:scene3d>
+          <a:camera prst="orthographicFront"/>
+          <a:lightRig rig="flat" dir="t"/>
+        </a:scene3d>
+        <a:sp3d/>
+      </dsp:spPr>
+      <dsp:style>
+        <a:lnRef idx="2">
+          <a:schemeClr val="dk1"/>
+        </a:lnRef>
+        <a:fillRef idx="1">
+          <a:schemeClr val="lt1"/>
+        </a:fillRef>
+        <a:effectRef idx="0">
+          <a:schemeClr val="dk1"/>
+        </a:effectRef>
+        <a:fontRef idx="minor">
+          <a:schemeClr val="dk1"/>
+        </a:fontRef>
+      </dsp:style>
+      <dsp:txBody>
+        <a:bodyPr spcFirstLastPara="0" vert="horz" wrap="square" lIns="53340" tIns="53340" rIns="53340" bIns="53340" numCol="1" spcCol="1270" anchor="ctr" anchorCtr="0">
+          <a:noAutofit/>
+        </a:bodyPr>
+        <a:lstStyle/>
+        <a:p>
+          <a:pPr marL="0" lvl="0" indent="0" algn="ctr" defTabSz="622300">
+            <a:lnSpc>
+              <a:spcPct val="90000"/>
+            </a:lnSpc>
+            <a:spcBef>
+              <a:spcPct val="0"/>
+            </a:spcBef>
+            <a:spcAft>
+              <a:spcPct val="35000"/>
+            </a:spcAft>
+            <a:buNone/>
+          </a:pPr>
+          <a:r>
+            <a:rPr lang="zh-CN" altLang="en-US" sz="1400" kern="1200" dirty="0">
+              <a:solidFill>
+                <a:srgbClr val="C00000"/>
+              </a:solidFill>
+              <a:latin typeface="微软雅黑" panose="020B0503020204020204" pitchFamily="34" charset="-122"/>
+              <a:ea typeface="微软雅黑" panose="020B0503020204020204" pitchFamily="34" charset="-122"/>
+            </a:rPr>
+            <a:t>市场和商户客户端</a:t>
+          </a:r>
+          <a:endParaRPr lang="en-US" sz="1400" kern="1200" dirty="0">
+            <a:solidFill>
+              <a:srgbClr val="C00000"/>
+            </a:solidFill>
+            <a:latin typeface="微软雅黑" panose="020B0503020204020204" pitchFamily="34" charset="-122"/>
+            <a:ea typeface="微软雅黑" panose="020B0503020204020204" pitchFamily="34" charset="-122"/>
+          </a:endParaRPr>
+        </a:p>
+      </dsp:txBody>
+      <dsp:txXfrm>
+        <a:off x="3125696" y="197"/>
+        <a:ext cx="1128045" cy="676827"/>
+      </dsp:txXfrm>
+    </dsp:sp>
+    <dsp:sp modelId="{7CC8ED18-6AEB-4DFB-BA30-541A51389DC2}">
+      <dsp:nvSpPr>
+        <dsp:cNvPr id="0" name=""/>
+        <dsp:cNvSpPr/>
+      </dsp:nvSpPr>
+      <dsp:spPr>
+        <a:xfrm>
+          <a:off x="4366546" y="197"/>
+          <a:ext cx="1128045" cy="676827"/>
+        </a:xfrm>
+        <a:prstGeom prst="rect">
+          <a:avLst/>
+        </a:prstGeom>
+        <a:solidFill>
+          <a:schemeClr val="lt1"/>
+        </a:solidFill>
+        <a:ln w="15875" cap="flat" cmpd="sng" algn="ctr">
+          <a:solidFill>
+            <a:schemeClr val="dk1"/>
+          </a:solidFill>
+          <a:prstDash val="solid"/>
+        </a:ln>
+        <a:effectLst/>
+        <a:scene3d>
+          <a:camera prst="orthographicFront"/>
+          <a:lightRig rig="flat" dir="t"/>
+        </a:scene3d>
+        <a:sp3d/>
+      </dsp:spPr>
+      <dsp:style>
+        <a:lnRef idx="2">
+          <a:schemeClr val="dk1"/>
+        </a:lnRef>
+        <a:fillRef idx="1">
+          <a:schemeClr val="lt1"/>
+        </a:fillRef>
+        <a:effectRef idx="0">
+          <a:schemeClr val="dk1"/>
+        </a:effectRef>
+        <a:fontRef idx="minor">
+          <a:schemeClr val="dk1"/>
+        </a:fontRef>
+      </dsp:style>
+      <dsp:txBody>
+        <a:bodyPr spcFirstLastPara="0" vert="horz" wrap="square" lIns="53340" tIns="53340" rIns="53340" bIns="53340" numCol="1" spcCol="1270" anchor="ctr" anchorCtr="0">
+          <a:noAutofit/>
+        </a:bodyPr>
+        <a:lstStyle/>
+        <a:p>
+          <a:pPr marL="0" lvl="0" indent="0" algn="ctr" defTabSz="622300">
+            <a:lnSpc>
+              <a:spcPct val="90000"/>
+            </a:lnSpc>
+            <a:spcBef>
+              <a:spcPct val="0"/>
+            </a:spcBef>
+            <a:spcAft>
+              <a:spcPct val="35000"/>
+            </a:spcAft>
+            <a:buNone/>
+          </a:pPr>
+          <a:r>
+            <a:rPr lang="zh-CN" altLang="en-US" sz="1400" kern="1200" dirty="0">
+              <a:solidFill>
+                <a:srgbClr val="C00000"/>
+              </a:solidFill>
+              <a:latin typeface="微软雅黑" panose="020B0503020204020204" pitchFamily="34" charset="-122"/>
+              <a:ea typeface="微软雅黑" panose="020B0503020204020204" pitchFamily="34" charset="-122"/>
+            </a:rPr>
+            <a:t>供应和商户客户端</a:t>
+          </a:r>
+          <a:endParaRPr lang="en-US" sz="1400" kern="1200" dirty="0">
+            <a:solidFill>
+              <a:srgbClr val="C00000"/>
+            </a:solidFill>
+            <a:latin typeface="微软雅黑" panose="020B0503020204020204" pitchFamily="34" charset="-122"/>
+            <a:ea typeface="微软雅黑" panose="020B0503020204020204" pitchFamily="34" charset="-122"/>
+          </a:endParaRPr>
+        </a:p>
+      </dsp:txBody>
+      <dsp:txXfrm>
+        <a:off x="4366546" y="197"/>
+        <a:ext cx="1128045" cy="676827"/>
+      </dsp:txXfrm>
+    </dsp:sp>
+    <dsp:sp modelId="{F6DC83FB-D4F1-43B6-87C4-A7AD6EFB6FE1}">
+      <dsp:nvSpPr>
+        <dsp:cNvPr id="0" name=""/>
+        <dsp:cNvSpPr/>
+      </dsp:nvSpPr>
+      <dsp:spPr>
+        <a:xfrm>
+          <a:off x="5607396" y="197"/>
+          <a:ext cx="1128045" cy="676827"/>
+        </a:xfrm>
+        <a:prstGeom prst="rect">
+          <a:avLst/>
+        </a:prstGeom>
+        <a:solidFill>
+          <a:schemeClr val="lt1"/>
+        </a:solidFill>
+        <a:ln w="15875" cap="flat" cmpd="sng" algn="ctr">
+          <a:solidFill>
+            <a:schemeClr val="dk1"/>
+          </a:solidFill>
+          <a:prstDash val="solid"/>
+        </a:ln>
+        <a:effectLst/>
+        <a:scene3d>
+          <a:camera prst="orthographicFront"/>
+          <a:lightRig rig="flat" dir="t"/>
+        </a:scene3d>
+        <a:sp3d/>
+      </dsp:spPr>
+      <dsp:style>
+        <a:lnRef idx="2">
+          <a:schemeClr val="dk1"/>
+        </a:lnRef>
+        <a:fillRef idx="1">
+          <a:schemeClr val="lt1"/>
+        </a:fillRef>
+        <a:effectRef idx="0">
+          <a:schemeClr val="dk1"/>
+        </a:effectRef>
+        <a:fontRef idx="minor">
+          <a:schemeClr val="dk1"/>
+        </a:fontRef>
+      </dsp:style>
+      <dsp:txBody>
+        <a:bodyPr spcFirstLastPara="0" vert="horz" wrap="square" lIns="53340" tIns="53340" rIns="53340" bIns="53340" numCol="1" spcCol="1270" anchor="ctr" anchorCtr="0">
+          <a:noAutofit/>
+        </a:bodyPr>
+        <a:lstStyle/>
+        <a:p>
+          <a:pPr marL="0" lvl="0" indent="0" algn="ctr" defTabSz="622300">
+            <a:lnSpc>
+              <a:spcPct val="90000"/>
+            </a:lnSpc>
+            <a:spcBef>
+              <a:spcPct val="0"/>
+            </a:spcBef>
+            <a:spcAft>
+              <a:spcPct val="35000"/>
+            </a:spcAft>
+            <a:buNone/>
+          </a:pPr>
+          <a:r>
+            <a:rPr lang="zh-CN" altLang="en-US" sz="1400" kern="1200" dirty="0">
+              <a:solidFill>
+                <a:srgbClr val="C00000"/>
+              </a:solidFill>
+              <a:latin typeface="微软雅黑" panose="020B0503020204020204" pitchFamily="34" charset="-122"/>
+              <a:ea typeface="微软雅黑" panose="020B0503020204020204" pitchFamily="34" charset="-122"/>
+            </a:rPr>
+            <a:t>平台管理</a:t>
+          </a:r>
+          <a:endParaRPr lang="en-US" sz="1400" kern="1200" dirty="0">
+            <a:solidFill>
+              <a:srgbClr val="C00000"/>
+            </a:solidFill>
+            <a:latin typeface="微软雅黑" panose="020B0503020204020204" pitchFamily="34" charset="-122"/>
+            <a:ea typeface="微软雅黑" panose="020B0503020204020204" pitchFamily="34" charset="-122"/>
+          </a:endParaRPr>
+        </a:p>
+      </dsp:txBody>
+      <dsp:txXfrm>
+        <a:off x="5607396" y="197"/>
+        <a:ext cx="1128045" cy="676827"/>
+      </dsp:txXfrm>
+    </dsp:sp>
+    <dsp:sp modelId="{1E5E41F7-2142-4F48-ADB9-F7890967590E}">
+      <dsp:nvSpPr>
+        <dsp:cNvPr id="0" name=""/>
+        <dsp:cNvSpPr/>
+      </dsp:nvSpPr>
+      <dsp:spPr>
+        <a:xfrm>
+          <a:off x="6848247" y="197"/>
+          <a:ext cx="1128045" cy="676827"/>
+        </a:xfrm>
+        <a:prstGeom prst="rect">
+          <a:avLst/>
+        </a:prstGeom>
+        <a:solidFill>
+          <a:schemeClr val="lt1"/>
+        </a:solidFill>
+        <a:ln w="15875" cap="flat" cmpd="sng" algn="ctr">
+          <a:solidFill>
+            <a:schemeClr val="dk1"/>
+          </a:solidFill>
+          <a:prstDash val="solid"/>
+        </a:ln>
+        <a:effectLst/>
+        <a:scene3d>
+          <a:camera prst="orthographicFront"/>
+          <a:lightRig rig="flat" dir="t"/>
+        </a:scene3d>
+        <a:sp3d/>
+      </dsp:spPr>
+      <dsp:style>
+        <a:lnRef idx="2">
+          <a:schemeClr val="dk1"/>
+        </a:lnRef>
+        <a:fillRef idx="1">
+          <a:schemeClr val="lt1"/>
+        </a:fillRef>
+        <a:effectRef idx="0">
+          <a:schemeClr val="dk1"/>
+        </a:effectRef>
+        <a:fontRef idx="minor">
+          <a:schemeClr val="dk1"/>
+        </a:fontRef>
+      </dsp:style>
+      <dsp:txBody>
+        <a:bodyPr spcFirstLastPara="0" vert="horz" wrap="square" lIns="53340" tIns="53340" rIns="53340" bIns="53340" numCol="1" spcCol="1270" anchor="ctr" anchorCtr="0">
+          <a:noAutofit/>
+        </a:bodyPr>
+        <a:lstStyle/>
+        <a:p>
+          <a:pPr marL="0" lvl="0" indent="0" algn="ctr" defTabSz="622300">
+            <a:lnSpc>
+              <a:spcPct val="90000"/>
+            </a:lnSpc>
+            <a:spcBef>
+              <a:spcPct val="0"/>
+            </a:spcBef>
+            <a:spcAft>
+              <a:spcPct val="35000"/>
+            </a:spcAft>
+            <a:buNone/>
+          </a:pPr>
+          <a:r>
+            <a:rPr lang="zh-CN" altLang="en-US" sz="1400" kern="1200" dirty="0">
+              <a:solidFill>
+                <a:srgbClr val="C00000"/>
+              </a:solidFill>
+              <a:latin typeface="微软雅黑" panose="020B0503020204020204" pitchFamily="34" charset="-122"/>
+              <a:ea typeface="微软雅黑" panose="020B0503020204020204" pitchFamily="34" charset="-122"/>
+            </a:rPr>
+            <a:t>其他客户端</a:t>
+          </a:r>
+          <a:endParaRPr lang="en-US" sz="1400" kern="1200" dirty="0">
+            <a:solidFill>
+              <a:srgbClr val="C00000"/>
+            </a:solidFill>
+            <a:latin typeface="微软雅黑" panose="020B0503020204020204" pitchFamily="34" charset="-122"/>
+            <a:ea typeface="微软雅黑" panose="020B0503020204020204" pitchFamily="34" charset="-122"/>
+          </a:endParaRPr>
+        </a:p>
+      </dsp:txBody>
+      <dsp:txXfrm>
+        <a:off x="6848247" y="197"/>
+        <a:ext cx="1128045" cy="676827"/>
+      </dsp:txXfrm>
+    </dsp:sp>
+  </dsp:spTree>
+</dsp:drawing>
+</file>
+
 <file path=ppt/diagrams/layout1.xml><?xml version="1.0" encoding="utf-8"?>
 <dgm:layoutDef xmlns:dgm="http://schemas.openxmlformats.org/drawingml/2006/diagram" xmlns:a="http://schemas.openxmlformats.org/drawingml/2006/main" uniqueId="urn:microsoft.com/office/officeart/2005/8/layout/radial5">
   <dgm:title val=""/>
@@ -11765,6 +13655,153 @@
 </dgm:layoutDef>
 </file>
 
+<file path=ppt/diagrams/layout7.xml><?xml version="1.0" encoding="utf-8"?>
+<dgm:layoutDef xmlns:dgm="http://schemas.openxmlformats.org/drawingml/2006/diagram" xmlns:a="http://schemas.openxmlformats.org/drawingml/2006/main" uniqueId="urn:microsoft.com/office/officeart/2005/8/layout/default">
+  <dgm:title val=""/>
+  <dgm:desc val=""/>
+  <dgm:catLst>
+    <dgm:cat type="list" pri="400"/>
+  </dgm:catLst>
+  <dgm:sampData>
+    <dgm:dataModel>
+      <dgm:ptLst>
+        <dgm:pt modelId="0" type="doc"/>
+        <dgm:pt modelId="1">
+          <dgm:prSet phldr="1"/>
+        </dgm:pt>
+        <dgm:pt modelId="2">
+          <dgm:prSet phldr="1"/>
+        </dgm:pt>
+        <dgm:pt modelId="3">
+          <dgm:prSet phldr="1"/>
+        </dgm:pt>
+        <dgm:pt modelId="4">
+          <dgm:prSet phldr="1"/>
+        </dgm:pt>
+        <dgm:pt modelId="5">
+          <dgm:prSet phldr="1"/>
+        </dgm:pt>
+      </dgm:ptLst>
+      <dgm:cxnLst>
+        <dgm:cxn modelId="6" srcId="0" destId="1" srcOrd="0" destOrd="0"/>
+        <dgm:cxn modelId="7" srcId="0" destId="2" srcOrd="1" destOrd="0"/>
+        <dgm:cxn modelId="8" srcId="0" destId="3" srcOrd="2" destOrd="0"/>
+        <dgm:cxn modelId="9" srcId="0" destId="4" srcOrd="3" destOrd="0"/>
+        <dgm:cxn modelId="10" srcId="0" destId="5" srcOrd="4" destOrd="0"/>
+      </dgm:cxnLst>
+      <dgm:bg/>
+      <dgm:whole/>
+    </dgm:dataModel>
+  </dgm:sampData>
+  <dgm:styleData>
+    <dgm:dataModel>
+      <dgm:ptLst>
+        <dgm:pt modelId="0" type="doc"/>
+        <dgm:pt modelId="1"/>
+        <dgm:pt modelId="2"/>
+      </dgm:ptLst>
+      <dgm:cxnLst>
+        <dgm:cxn modelId="3" srcId="0" destId="1" srcOrd="0" destOrd="0"/>
+        <dgm:cxn modelId="4" srcId="0" destId="2" srcOrd="1" destOrd="0"/>
+      </dgm:cxnLst>
+      <dgm:bg/>
+      <dgm:whole/>
+    </dgm:dataModel>
+  </dgm:styleData>
+  <dgm:clrData>
+    <dgm:dataModel>
+      <dgm:ptLst>
+        <dgm:pt modelId="0" type="doc"/>
+        <dgm:pt modelId="1"/>
+        <dgm:pt modelId="2"/>
+        <dgm:pt modelId="3"/>
+        <dgm:pt modelId="4"/>
+        <dgm:pt modelId="5"/>
+        <dgm:pt modelId="6"/>
+      </dgm:ptLst>
+      <dgm:cxnLst>
+        <dgm:cxn modelId="7" srcId="0" destId="1" srcOrd="0" destOrd="0"/>
+        <dgm:cxn modelId="8" srcId="0" destId="2" srcOrd="1" destOrd="0"/>
+        <dgm:cxn modelId="9" srcId="0" destId="3" srcOrd="2" destOrd="0"/>
+        <dgm:cxn modelId="10" srcId="0" destId="4" srcOrd="3" destOrd="0"/>
+        <dgm:cxn modelId="11" srcId="0" destId="5" srcOrd="4" destOrd="0"/>
+        <dgm:cxn modelId="12" srcId="0" destId="6" srcOrd="5" destOrd="0"/>
+      </dgm:cxnLst>
+      <dgm:bg/>
+      <dgm:whole/>
+    </dgm:dataModel>
+  </dgm:clrData>
+  <dgm:layoutNode name="diagram">
+    <dgm:varLst>
+      <dgm:dir/>
+      <dgm:resizeHandles val="exact"/>
+    </dgm:varLst>
+    <dgm:choose name="Name0">
+      <dgm:if name="Name1" func="var" arg="dir" op="equ" val="norm">
+        <dgm:alg type="snake">
+          <dgm:param type="grDir" val="tL"/>
+          <dgm:param type="flowDir" val="row"/>
+          <dgm:param type="contDir" val="sameDir"/>
+          <dgm:param type="off" val="ctr"/>
+        </dgm:alg>
+      </dgm:if>
+      <dgm:else name="Name2">
+        <dgm:alg type="snake">
+          <dgm:param type="grDir" val="tR"/>
+          <dgm:param type="flowDir" val="row"/>
+          <dgm:param type="contDir" val="sameDir"/>
+          <dgm:param type="off" val="ctr"/>
+        </dgm:alg>
+      </dgm:else>
+    </dgm:choose>
+    <dgm:shape xmlns:r="http://schemas.openxmlformats.org/officeDocument/2006/relationships" r:blip="">
+      <dgm:adjLst/>
+    </dgm:shape>
+    <dgm:presOf/>
+    <dgm:constrLst>
+      <dgm:constr type="w" for="ch" forName="node" refType="w"/>
+      <dgm:constr type="h" for="ch" forName="node" refType="w" refFor="ch" refForName="node" fact="0.6"/>
+      <dgm:constr type="w" for="ch" forName="sibTrans" refType="w" refFor="ch" refForName="node" fact="0.1"/>
+      <dgm:constr type="sp" refType="w" refFor="ch" refForName="sibTrans"/>
+      <dgm:constr type="primFontSz" for="ch" forName="node" op="equ" val="65"/>
+    </dgm:constrLst>
+    <dgm:ruleLst/>
+    <dgm:forEach name="Name3" axis="ch" ptType="node">
+      <dgm:layoutNode name="node">
+        <dgm:varLst>
+          <dgm:bulletEnabled val="1"/>
+        </dgm:varLst>
+        <dgm:alg type="tx"/>
+        <dgm:shape xmlns:r="http://schemas.openxmlformats.org/officeDocument/2006/relationships" type="rect" r:blip="">
+          <dgm:adjLst/>
+        </dgm:shape>
+        <dgm:presOf axis="desOrSelf" ptType="node"/>
+        <dgm:constrLst>
+          <dgm:constr type="lMarg" refType="primFontSz" fact="0.3"/>
+          <dgm:constr type="rMarg" refType="primFontSz" fact="0.3"/>
+          <dgm:constr type="tMarg" refType="primFontSz" fact="0.3"/>
+          <dgm:constr type="bMarg" refType="primFontSz" fact="0.3"/>
+        </dgm:constrLst>
+        <dgm:ruleLst>
+          <dgm:rule type="primFontSz" val="5" fact="NaN" max="NaN"/>
+        </dgm:ruleLst>
+      </dgm:layoutNode>
+      <dgm:forEach name="Name4" axis="followSib" ptType="sibTrans" cnt="1">
+        <dgm:layoutNode name="sibTrans">
+          <dgm:alg type="sp"/>
+          <dgm:shape xmlns:r="http://schemas.openxmlformats.org/officeDocument/2006/relationships" r:blip="">
+            <dgm:adjLst/>
+          </dgm:shape>
+          <dgm:presOf/>
+          <dgm:constrLst/>
+          <dgm:ruleLst/>
+        </dgm:layoutNode>
+      </dgm:forEach>
+    </dgm:forEach>
+  </dgm:layoutNode>
+</dgm:layoutDef>
+</file>
+
 <file path=ppt/diagrams/quickStyle1.xml><?xml version="1.0" encoding="utf-8"?>
 <dgm:styleDef xmlns:dgm="http://schemas.openxmlformats.org/drawingml/2006/diagram" xmlns:a="http://schemas.openxmlformats.org/drawingml/2006/main" uniqueId="urn:microsoft.com/office/officeart/2005/8/quickstyle/simple3">
   <dgm:title val=""/>
@@ -17993,6 +20030,1066 @@
         <a:scrgbClr r="0" g="0" b="0"/>
       </a:fillRef>
       <a:effectRef idx="0">
+        <a:scrgbClr r="0" g="0" b="0"/>
+      </a:effectRef>
+      <a:fontRef idx="minor"/>
+    </dgm:style>
+  </dgm:styleLbl>
+  <dgm:styleLbl name="revTx">
+    <dgm:scene3d>
+      <a:camera prst="orthographicFront"/>
+      <a:lightRig rig="threePt" dir="t"/>
+    </dgm:scene3d>
+    <dgm:sp3d/>
+    <dgm:txPr/>
+    <dgm:style>
+      <a:lnRef idx="0">
+        <a:scrgbClr r="0" g="0" b="0"/>
+      </a:lnRef>
+      <a:fillRef idx="0">
+        <a:scrgbClr r="0" g="0" b="0"/>
+      </a:fillRef>
+      <a:effectRef idx="0">
+        <a:scrgbClr r="0" g="0" b="0"/>
+      </a:effectRef>
+      <a:fontRef idx="minor"/>
+    </dgm:style>
+  </dgm:styleLbl>
+</dgm:styleDef>
+</file>
+
+<file path=ppt/diagrams/quickStyle7.xml><?xml version="1.0" encoding="utf-8"?>
+<dgm:styleDef xmlns:dgm="http://schemas.openxmlformats.org/drawingml/2006/diagram" xmlns:a="http://schemas.openxmlformats.org/drawingml/2006/main" uniqueId="urn:microsoft.com/office/officeart/2005/8/quickstyle/simple3">
+  <dgm:title val=""/>
+  <dgm:desc val=""/>
+  <dgm:catLst>
+    <dgm:cat type="simple" pri="10300"/>
+  </dgm:catLst>
+  <dgm:scene3d>
+    <a:camera prst="orthographicFront"/>
+    <a:lightRig rig="threePt" dir="t"/>
+  </dgm:scene3d>
+  <dgm:styleLbl name="node0">
+    <dgm:scene3d>
+      <a:camera prst="orthographicFront"/>
+      <a:lightRig rig="flat" dir="t"/>
+    </dgm:scene3d>
+    <dgm:sp3d prstMaterial="dkEdge">
+      <a:bevelT w="8200" h="38100"/>
+    </dgm:sp3d>
+    <dgm:txPr/>
+    <dgm:style>
+      <a:lnRef idx="0">
+        <a:scrgbClr r="0" g="0" b="0"/>
+      </a:lnRef>
+      <a:fillRef idx="2">
+        <a:scrgbClr r="0" g="0" b="0"/>
+      </a:fillRef>
+      <a:effectRef idx="1">
+        <a:scrgbClr r="0" g="0" b="0"/>
+      </a:effectRef>
+      <a:fontRef idx="minor">
+        <a:schemeClr val="dk1"/>
+      </a:fontRef>
+    </dgm:style>
+  </dgm:styleLbl>
+  <dgm:styleLbl name="lnNode1">
+    <dgm:scene3d>
+      <a:camera prst="orthographicFront"/>
+      <a:lightRig rig="flat" dir="t"/>
+    </dgm:scene3d>
+    <dgm:sp3d prstMaterial="dkEdge">
+      <a:bevelT w="8200" h="38100"/>
+    </dgm:sp3d>
+    <dgm:txPr/>
+    <dgm:style>
+      <a:lnRef idx="1">
+        <a:scrgbClr r="0" g="0" b="0"/>
+      </a:lnRef>
+      <a:fillRef idx="2">
+        <a:scrgbClr r="0" g="0" b="0"/>
+      </a:fillRef>
+      <a:effectRef idx="0">
+        <a:scrgbClr r="0" g="0" b="0"/>
+      </a:effectRef>
+      <a:fontRef idx="minor">
+        <a:schemeClr val="dk1"/>
+      </a:fontRef>
+    </dgm:style>
+  </dgm:styleLbl>
+  <dgm:styleLbl name="vennNode1">
+    <dgm:scene3d>
+      <a:camera prst="orthographicFront"/>
+      <a:lightRig rig="flat" dir="t"/>
+    </dgm:scene3d>
+    <dgm:sp3d prstMaterial="dkEdge">
+      <a:bevelT w="8200" h="38100"/>
+    </dgm:sp3d>
+    <dgm:txPr/>
+    <dgm:style>
+      <a:lnRef idx="0">
+        <a:scrgbClr r="0" g="0" b="0"/>
+      </a:lnRef>
+      <a:fillRef idx="2">
+        <a:scrgbClr r="0" g="0" b="0"/>
+      </a:fillRef>
+      <a:effectRef idx="0">
+        <a:scrgbClr r="0" g="0" b="0"/>
+      </a:effectRef>
+      <a:fontRef idx="minor">
+        <a:schemeClr val="tx1"/>
+      </a:fontRef>
+    </dgm:style>
+  </dgm:styleLbl>
+  <dgm:styleLbl name="alignNode1">
+    <dgm:scene3d>
+      <a:camera prst="orthographicFront"/>
+      <a:lightRig rig="threePt" dir="t"/>
+    </dgm:scene3d>
+    <dgm:sp3d/>
+    <dgm:txPr/>
+    <dgm:style>
+      <a:lnRef idx="1">
+        <a:scrgbClr r="0" g="0" b="0"/>
+      </a:lnRef>
+      <a:fillRef idx="2">
+        <a:scrgbClr r="0" g="0" b="0"/>
+      </a:fillRef>
+      <a:effectRef idx="1">
+        <a:scrgbClr r="0" g="0" b="0"/>
+      </a:effectRef>
+      <a:fontRef idx="minor">
+        <a:schemeClr val="dk1"/>
+      </a:fontRef>
+    </dgm:style>
+  </dgm:styleLbl>
+  <dgm:styleLbl name="node1">
+    <dgm:scene3d>
+      <a:camera prst="orthographicFront"/>
+      <a:lightRig rig="flat" dir="t"/>
+    </dgm:scene3d>
+    <dgm:sp3d prstMaterial="dkEdge">
+      <a:bevelT w="8200" h="38100"/>
+    </dgm:sp3d>
+    <dgm:txPr/>
+    <dgm:style>
+      <a:lnRef idx="0">
+        <a:scrgbClr r="0" g="0" b="0"/>
+      </a:lnRef>
+      <a:fillRef idx="2">
+        <a:scrgbClr r="0" g="0" b="0"/>
+      </a:fillRef>
+      <a:effectRef idx="1">
+        <a:scrgbClr r="0" g="0" b="0"/>
+      </a:effectRef>
+      <a:fontRef idx="minor">
+        <a:schemeClr val="dk1"/>
+      </a:fontRef>
+    </dgm:style>
+  </dgm:styleLbl>
+  <dgm:styleLbl name="node2">
+    <dgm:scene3d>
+      <a:camera prst="orthographicFront"/>
+      <a:lightRig rig="flat" dir="t"/>
+    </dgm:scene3d>
+    <dgm:sp3d prstMaterial="dkEdge">
+      <a:bevelT w="8200" h="38100"/>
+    </dgm:sp3d>
+    <dgm:txPr/>
+    <dgm:style>
+      <a:lnRef idx="0">
+        <a:scrgbClr r="0" g="0" b="0"/>
+      </a:lnRef>
+      <a:fillRef idx="2">
+        <a:scrgbClr r="0" g="0" b="0"/>
+      </a:fillRef>
+      <a:effectRef idx="1">
+        <a:scrgbClr r="0" g="0" b="0"/>
+      </a:effectRef>
+      <a:fontRef idx="minor">
+        <a:schemeClr val="dk1"/>
+      </a:fontRef>
+    </dgm:style>
+  </dgm:styleLbl>
+  <dgm:styleLbl name="node3">
+    <dgm:scene3d>
+      <a:camera prst="orthographicFront"/>
+      <a:lightRig rig="flat" dir="t"/>
+    </dgm:scene3d>
+    <dgm:sp3d prstMaterial="dkEdge">
+      <a:bevelT w="8200" h="38100"/>
+    </dgm:sp3d>
+    <dgm:txPr/>
+    <dgm:style>
+      <a:lnRef idx="0">
+        <a:scrgbClr r="0" g="0" b="0"/>
+      </a:lnRef>
+      <a:fillRef idx="2">
+        <a:scrgbClr r="0" g="0" b="0"/>
+      </a:fillRef>
+      <a:effectRef idx="1">
+        <a:scrgbClr r="0" g="0" b="0"/>
+      </a:effectRef>
+      <a:fontRef idx="minor">
+        <a:schemeClr val="dk1"/>
+      </a:fontRef>
+    </dgm:style>
+  </dgm:styleLbl>
+  <dgm:styleLbl name="node4">
+    <dgm:scene3d>
+      <a:camera prst="orthographicFront"/>
+      <a:lightRig rig="flat" dir="t"/>
+    </dgm:scene3d>
+    <dgm:sp3d prstMaterial="dkEdge">
+      <a:bevelT w="8200" h="38100"/>
+    </dgm:sp3d>
+    <dgm:txPr/>
+    <dgm:style>
+      <a:lnRef idx="0">
+        <a:scrgbClr r="0" g="0" b="0"/>
+      </a:lnRef>
+      <a:fillRef idx="2">
+        <a:scrgbClr r="0" g="0" b="0"/>
+      </a:fillRef>
+      <a:effectRef idx="1">
+        <a:scrgbClr r="0" g="0" b="0"/>
+      </a:effectRef>
+      <a:fontRef idx="minor">
+        <a:schemeClr val="dk1"/>
+      </a:fontRef>
+    </dgm:style>
+  </dgm:styleLbl>
+  <dgm:styleLbl name="fgImgPlace1">
+    <dgm:scene3d>
+      <a:camera prst="orthographicFront"/>
+      <a:lightRig rig="threePt" dir="t"/>
+    </dgm:scene3d>
+    <dgm:sp3d/>
+    <dgm:txPr/>
+    <dgm:style>
+      <a:lnRef idx="1">
+        <a:scrgbClr r="0" g="0" b="0"/>
+      </a:lnRef>
+      <a:fillRef idx="1">
+        <a:scrgbClr r="0" g="0" b="0"/>
+      </a:fillRef>
+      <a:effectRef idx="1">
+        <a:scrgbClr r="0" g="0" b="0"/>
+      </a:effectRef>
+      <a:fontRef idx="minor"/>
+    </dgm:style>
+  </dgm:styleLbl>
+  <dgm:styleLbl name="alignImgPlace1">
+    <dgm:scene3d>
+      <a:camera prst="orthographicFront"/>
+      <a:lightRig rig="threePt" dir="t"/>
+    </dgm:scene3d>
+    <dgm:sp3d/>
+    <dgm:txPr/>
+    <dgm:style>
+      <a:lnRef idx="1">
+        <a:scrgbClr r="0" g="0" b="0"/>
+      </a:lnRef>
+      <a:fillRef idx="1">
+        <a:scrgbClr r="0" g="0" b="0"/>
+      </a:fillRef>
+      <a:effectRef idx="1">
+        <a:scrgbClr r="0" g="0" b="0"/>
+      </a:effectRef>
+      <a:fontRef idx="minor"/>
+    </dgm:style>
+  </dgm:styleLbl>
+  <dgm:styleLbl name="bgImgPlace1">
+    <dgm:scene3d>
+      <a:camera prst="orthographicFront"/>
+      <a:lightRig rig="threePt" dir="t"/>
+    </dgm:scene3d>
+    <dgm:sp3d/>
+    <dgm:txPr/>
+    <dgm:style>
+      <a:lnRef idx="1">
+        <a:scrgbClr r="0" g="0" b="0"/>
+      </a:lnRef>
+      <a:fillRef idx="1">
+        <a:scrgbClr r="0" g="0" b="0"/>
+      </a:fillRef>
+      <a:effectRef idx="1">
+        <a:scrgbClr r="0" g="0" b="0"/>
+      </a:effectRef>
+      <a:fontRef idx="minor"/>
+    </dgm:style>
+  </dgm:styleLbl>
+  <dgm:styleLbl name="sibTrans2D1">
+    <dgm:scene3d>
+      <a:camera prst="orthographicFront"/>
+      <a:lightRig rig="threePt" dir="t"/>
+    </dgm:scene3d>
+    <dgm:sp3d/>
+    <dgm:txPr/>
+    <dgm:style>
+      <a:lnRef idx="0">
+        <a:scrgbClr r="0" g="0" b="0"/>
+      </a:lnRef>
+      <a:fillRef idx="2">
+        <a:scrgbClr r="0" g="0" b="0"/>
+      </a:fillRef>
+      <a:effectRef idx="1">
+        <a:scrgbClr r="0" g="0" b="0"/>
+      </a:effectRef>
+      <a:fontRef idx="minor">
+        <a:schemeClr val="dk1"/>
+      </a:fontRef>
+    </dgm:style>
+  </dgm:styleLbl>
+  <dgm:styleLbl name="fgSibTrans2D1">
+    <dgm:scene3d>
+      <a:camera prst="orthographicFront"/>
+      <a:lightRig rig="threePt" dir="t"/>
+    </dgm:scene3d>
+    <dgm:sp3d/>
+    <dgm:txPr/>
+    <dgm:style>
+      <a:lnRef idx="0">
+        <a:scrgbClr r="0" g="0" b="0"/>
+      </a:lnRef>
+      <a:fillRef idx="2">
+        <a:scrgbClr r="0" g="0" b="0"/>
+      </a:fillRef>
+      <a:effectRef idx="1">
+        <a:scrgbClr r="0" g="0" b="0"/>
+      </a:effectRef>
+      <a:fontRef idx="minor">
+        <a:schemeClr val="dk1"/>
+      </a:fontRef>
+    </dgm:style>
+  </dgm:styleLbl>
+  <dgm:styleLbl name="bgSibTrans2D1">
+    <dgm:scene3d>
+      <a:camera prst="orthographicFront"/>
+      <a:lightRig rig="threePt" dir="t"/>
+    </dgm:scene3d>
+    <dgm:sp3d/>
+    <dgm:txPr/>
+    <dgm:style>
+      <a:lnRef idx="0">
+        <a:scrgbClr r="0" g="0" b="0"/>
+      </a:lnRef>
+      <a:fillRef idx="2">
+        <a:scrgbClr r="0" g="0" b="0"/>
+      </a:fillRef>
+      <a:effectRef idx="1">
+        <a:scrgbClr r="0" g="0" b="0"/>
+      </a:effectRef>
+      <a:fontRef idx="minor">
+        <a:schemeClr val="dk1"/>
+      </a:fontRef>
+    </dgm:style>
+  </dgm:styleLbl>
+  <dgm:styleLbl name="sibTrans1D1">
+    <dgm:scene3d>
+      <a:camera prst="orthographicFront"/>
+      <a:lightRig rig="threePt" dir="t"/>
+    </dgm:scene3d>
+    <dgm:sp3d/>
+    <dgm:txPr/>
+    <dgm:style>
+      <a:lnRef idx="1">
+        <a:scrgbClr r="0" g="0" b="0"/>
+      </a:lnRef>
+      <a:fillRef idx="0">
+        <a:scrgbClr r="0" g="0" b="0"/>
+      </a:fillRef>
+      <a:effectRef idx="0">
+        <a:scrgbClr r="0" g="0" b="0"/>
+      </a:effectRef>
+      <a:fontRef idx="minor"/>
+    </dgm:style>
+  </dgm:styleLbl>
+  <dgm:styleLbl name="callout">
+    <dgm:scene3d>
+      <a:camera prst="orthographicFront"/>
+      <a:lightRig rig="threePt" dir="t"/>
+    </dgm:scene3d>
+    <dgm:sp3d/>
+    <dgm:txPr/>
+    <dgm:style>
+      <a:lnRef idx="1">
+        <a:scrgbClr r="0" g="0" b="0"/>
+      </a:lnRef>
+      <a:fillRef idx="2">
+        <a:scrgbClr r="0" g="0" b="0"/>
+      </a:fillRef>
+      <a:effectRef idx="1">
+        <a:scrgbClr r="0" g="0" b="0"/>
+      </a:effectRef>
+      <a:fontRef idx="minor"/>
+    </dgm:style>
+  </dgm:styleLbl>
+  <dgm:styleLbl name="asst0">
+    <dgm:scene3d>
+      <a:camera prst="orthographicFront"/>
+      <a:lightRig rig="flat" dir="t"/>
+    </dgm:scene3d>
+    <dgm:sp3d prstMaterial="dkEdge">
+      <a:bevelT w="8200" h="38100"/>
+    </dgm:sp3d>
+    <dgm:txPr/>
+    <dgm:style>
+      <a:lnRef idx="0">
+        <a:scrgbClr r="0" g="0" b="0"/>
+      </a:lnRef>
+      <a:fillRef idx="2">
+        <a:scrgbClr r="0" g="0" b="0"/>
+      </a:fillRef>
+      <a:effectRef idx="1">
+        <a:scrgbClr r="0" g="0" b="0"/>
+      </a:effectRef>
+      <a:fontRef idx="minor">
+        <a:schemeClr val="dk1"/>
+      </a:fontRef>
+    </dgm:style>
+  </dgm:styleLbl>
+  <dgm:styleLbl name="asst1">
+    <dgm:scene3d>
+      <a:camera prst="orthographicFront"/>
+      <a:lightRig rig="flat" dir="t"/>
+    </dgm:scene3d>
+    <dgm:sp3d prstMaterial="dkEdge">
+      <a:bevelT w="8200" h="38100"/>
+    </dgm:sp3d>
+    <dgm:txPr/>
+    <dgm:style>
+      <a:lnRef idx="0">
+        <a:scrgbClr r="0" g="0" b="0"/>
+      </a:lnRef>
+      <a:fillRef idx="2">
+        <a:scrgbClr r="0" g="0" b="0"/>
+      </a:fillRef>
+      <a:effectRef idx="1">
+        <a:scrgbClr r="0" g="0" b="0"/>
+      </a:effectRef>
+      <a:fontRef idx="minor">
+        <a:schemeClr val="dk1"/>
+      </a:fontRef>
+    </dgm:style>
+  </dgm:styleLbl>
+  <dgm:styleLbl name="asst2">
+    <dgm:scene3d>
+      <a:camera prst="orthographicFront"/>
+      <a:lightRig rig="flat" dir="t"/>
+    </dgm:scene3d>
+    <dgm:sp3d prstMaterial="dkEdge">
+      <a:bevelT w="8200" h="38100"/>
+    </dgm:sp3d>
+    <dgm:txPr/>
+    <dgm:style>
+      <a:lnRef idx="0">
+        <a:scrgbClr r="0" g="0" b="0"/>
+      </a:lnRef>
+      <a:fillRef idx="2">
+        <a:scrgbClr r="0" g="0" b="0"/>
+      </a:fillRef>
+      <a:effectRef idx="1">
+        <a:scrgbClr r="0" g="0" b="0"/>
+      </a:effectRef>
+      <a:fontRef idx="minor">
+        <a:schemeClr val="dk1"/>
+      </a:fontRef>
+    </dgm:style>
+  </dgm:styleLbl>
+  <dgm:styleLbl name="asst3">
+    <dgm:scene3d>
+      <a:camera prst="orthographicFront"/>
+      <a:lightRig rig="flat" dir="t"/>
+    </dgm:scene3d>
+    <dgm:sp3d prstMaterial="dkEdge">
+      <a:bevelT w="8200" h="38100"/>
+    </dgm:sp3d>
+    <dgm:txPr/>
+    <dgm:style>
+      <a:lnRef idx="0">
+        <a:scrgbClr r="0" g="0" b="0"/>
+      </a:lnRef>
+      <a:fillRef idx="2">
+        <a:scrgbClr r="0" g="0" b="0"/>
+      </a:fillRef>
+      <a:effectRef idx="1">
+        <a:scrgbClr r="0" g="0" b="0"/>
+      </a:effectRef>
+      <a:fontRef idx="minor">
+        <a:schemeClr val="dk1"/>
+      </a:fontRef>
+    </dgm:style>
+  </dgm:styleLbl>
+  <dgm:styleLbl name="asst4">
+    <dgm:scene3d>
+      <a:camera prst="orthographicFront"/>
+      <a:lightRig rig="flat" dir="t"/>
+    </dgm:scene3d>
+    <dgm:sp3d prstMaterial="dkEdge">
+      <a:bevelT w="8200" h="38100"/>
+    </dgm:sp3d>
+    <dgm:txPr/>
+    <dgm:style>
+      <a:lnRef idx="0">
+        <a:scrgbClr r="0" g="0" b="0"/>
+      </a:lnRef>
+      <a:fillRef idx="2">
+        <a:scrgbClr r="0" g="0" b="0"/>
+      </a:fillRef>
+      <a:effectRef idx="1">
+        <a:scrgbClr r="0" g="0" b="0"/>
+      </a:effectRef>
+      <a:fontRef idx="minor">
+        <a:schemeClr val="dk1"/>
+      </a:fontRef>
+    </dgm:style>
+  </dgm:styleLbl>
+  <dgm:styleLbl name="parChTrans2D1">
+    <dgm:scene3d>
+      <a:camera prst="orthographicFront"/>
+      <a:lightRig rig="threePt" dir="t"/>
+    </dgm:scene3d>
+    <dgm:sp3d/>
+    <dgm:txPr/>
+    <dgm:style>
+      <a:lnRef idx="1">
+        <a:scrgbClr r="0" g="0" b="0"/>
+      </a:lnRef>
+      <a:fillRef idx="2">
+        <a:scrgbClr r="0" g="0" b="0"/>
+      </a:fillRef>
+      <a:effectRef idx="1">
+        <a:scrgbClr r="0" g="0" b="0"/>
+      </a:effectRef>
+      <a:fontRef idx="minor">
+        <a:schemeClr val="dk1"/>
+      </a:fontRef>
+    </dgm:style>
+  </dgm:styleLbl>
+  <dgm:styleLbl name="parChTrans2D2">
+    <dgm:scene3d>
+      <a:camera prst="orthographicFront"/>
+      <a:lightRig rig="threePt" dir="t"/>
+    </dgm:scene3d>
+    <dgm:sp3d/>
+    <dgm:txPr/>
+    <dgm:style>
+      <a:lnRef idx="1">
+        <a:scrgbClr r="0" g="0" b="0"/>
+      </a:lnRef>
+      <a:fillRef idx="2">
+        <a:scrgbClr r="0" g="0" b="0"/>
+      </a:fillRef>
+      <a:effectRef idx="1">
+        <a:scrgbClr r="0" g="0" b="0"/>
+      </a:effectRef>
+      <a:fontRef idx="minor">
+        <a:schemeClr val="dk1"/>
+      </a:fontRef>
+    </dgm:style>
+  </dgm:styleLbl>
+  <dgm:styleLbl name="parChTrans2D3">
+    <dgm:scene3d>
+      <a:camera prst="orthographicFront"/>
+      <a:lightRig rig="threePt" dir="t"/>
+    </dgm:scene3d>
+    <dgm:sp3d/>
+    <dgm:txPr/>
+    <dgm:style>
+      <a:lnRef idx="1">
+        <a:scrgbClr r="0" g="0" b="0"/>
+      </a:lnRef>
+      <a:fillRef idx="2">
+        <a:scrgbClr r="0" g="0" b="0"/>
+      </a:fillRef>
+      <a:effectRef idx="1">
+        <a:scrgbClr r="0" g="0" b="0"/>
+      </a:effectRef>
+      <a:fontRef idx="minor">
+        <a:schemeClr val="dk1"/>
+      </a:fontRef>
+    </dgm:style>
+  </dgm:styleLbl>
+  <dgm:styleLbl name="parChTrans2D4">
+    <dgm:scene3d>
+      <a:camera prst="orthographicFront"/>
+      <a:lightRig rig="threePt" dir="t"/>
+    </dgm:scene3d>
+    <dgm:sp3d/>
+    <dgm:txPr/>
+    <dgm:style>
+      <a:lnRef idx="1">
+        <a:scrgbClr r="0" g="0" b="0"/>
+      </a:lnRef>
+      <a:fillRef idx="2">
+        <a:scrgbClr r="0" g="0" b="0"/>
+      </a:fillRef>
+      <a:effectRef idx="1">
+        <a:scrgbClr r="0" g="0" b="0"/>
+      </a:effectRef>
+      <a:fontRef idx="minor">
+        <a:schemeClr val="dk1"/>
+      </a:fontRef>
+    </dgm:style>
+  </dgm:styleLbl>
+  <dgm:styleLbl name="parChTrans1D1">
+    <dgm:scene3d>
+      <a:camera prst="orthographicFront"/>
+      <a:lightRig rig="threePt" dir="t"/>
+    </dgm:scene3d>
+    <dgm:sp3d/>
+    <dgm:txPr/>
+    <dgm:style>
+      <a:lnRef idx="2">
+        <a:scrgbClr r="0" g="0" b="0"/>
+      </a:lnRef>
+      <a:fillRef idx="0">
+        <a:scrgbClr r="0" g="0" b="0"/>
+      </a:fillRef>
+      <a:effectRef idx="0">
+        <a:scrgbClr r="0" g="0" b="0"/>
+      </a:effectRef>
+      <a:fontRef idx="minor"/>
+    </dgm:style>
+  </dgm:styleLbl>
+  <dgm:styleLbl name="parChTrans1D2">
+    <dgm:scene3d>
+      <a:camera prst="orthographicFront"/>
+      <a:lightRig rig="threePt" dir="t"/>
+    </dgm:scene3d>
+    <dgm:sp3d/>
+    <dgm:txPr/>
+    <dgm:style>
+      <a:lnRef idx="2">
+        <a:scrgbClr r="0" g="0" b="0"/>
+      </a:lnRef>
+      <a:fillRef idx="0">
+        <a:scrgbClr r="0" g="0" b="0"/>
+      </a:fillRef>
+      <a:effectRef idx="0">
+        <a:scrgbClr r="0" g="0" b="0"/>
+      </a:effectRef>
+      <a:fontRef idx="minor"/>
+    </dgm:style>
+  </dgm:styleLbl>
+  <dgm:styleLbl name="parChTrans1D3">
+    <dgm:scene3d>
+      <a:camera prst="orthographicFront"/>
+      <a:lightRig rig="threePt" dir="t"/>
+    </dgm:scene3d>
+    <dgm:sp3d/>
+    <dgm:txPr/>
+    <dgm:style>
+      <a:lnRef idx="2">
+        <a:scrgbClr r="0" g="0" b="0"/>
+      </a:lnRef>
+      <a:fillRef idx="0">
+        <a:scrgbClr r="0" g="0" b="0"/>
+      </a:fillRef>
+      <a:effectRef idx="0">
+        <a:scrgbClr r="0" g="0" b="0"/>
+      </a:effectRef>
+      <a:fontRef idx="minor"/>
+    </dgm:style>
+  </dgm:styleLbl>
+  <dgm:styleLbl name="parChTrans1D4">
+    <dgm:scene3d>
+      <a:camera prst="orthographicFront"/>
+      <a:lightRig rig="threePt" dir="t"/>
+    </dgm:scene3d>
+    <dgm:sp3d/>
+    <dgm:txPr/>
+    <dgm:style>
+      <a:lnRef idx="2">
+        <a:scrgbClr r="0" g="0" b="0"/>
+      </a:lnRef>
+      <a:fillRef idx="0">
+        <a:scrgbClr r="0" g="0" b="0"/>
+      </a:fillRef>
+      <a:effectRef idx="0">
+        <a:scrgbClr r="0" g="0" b="0"/>
+      </a:effectRef>
+      <a:fontRef idx="minor"/>
+    </dgm:style>
+  </dgm:styleLbl>
+  <dgm:styleLbl name="fgAcc1">
+    <dgm:scene3d>
+      <a:camera prst="orthographicFront"/>
+      <a:lightRig rig="threePt" dir="t"/>
+    </dgm:scene3d>
+    <dgm:sp3d/>
+    <dgm:txPr/>
+    <dgm:style>
+      <a:lnRef idx="1">
+        <a:scrgbClr r="0" g="0" b="0"/>
+      </a:lnRef>
+      <a:fillRef idx="1">
+        <a:scrgbClr r="0" g="0" b="0"/>
+      </a:fillRef>
+      <a:effectRef idx="0">
+        <a:scrgbClr r="0" g="0" b="0"/>
+      </a:effectRef>
+      <a:fontRef idx="minor"/>
+    </dgm:style>
+  </dgm:styleLbl>
+  <dgm:styleLbl name="conFgAcc1">
+    <dgm:scene3d>
+      <a:camera prst="orthographicFront"/>
+      <a:lightRig rig="threePt" dir="t"/>
+    </dgm:scene3d>
+    <dgm:sp3d/>
+    <dgm:txPr/>
+    <dgm:style>
+      <a:lnRef idx="1">
+        <a:scrgbClr r="0" g="0" b="0"/>
+      </a:lnRef>
+      <a:fillRef idx="1">
+        <a:scrgbClr r="0" g="0" b="0"/>
+      </a:fillRef>
+      <a:effectRef idx="0">
+        <a:scrgbClr r="0" g="0" b="0"/>
+      </a:effectRef>
+      <a:fontRef idx="minor"/>
+    </dgm:style>
+  </dgm:styleLbl>
+  <dgm:styleLbl name="alignAcc1">
+    <dgm:scene3d>
+      <a:camera prst="orthographicFront"/>
+      <a:lightRig rig="threePt" dir="t"/>
+    </dgm:scene3d>
+    <dgm:sp3d/>
+    <dgm:txPr/>
+    <dgm:style>
+      <a:lnRef idx="1">
+        <a:scrgbClr r="0" g="0" b="0"/>
+      </a:lnRef>
+      <a:fillRef idx="1">
+        <a:scrgbClr r="0" g="0" b="0"/>
+      </a:fillRef>
+      <a:effectRef idx="0">
+        <a:scrgbClr r="0" g="0" b="0"/>
+      </a:effectRef>
+      <a:fontRef idx="minor"/>
+    </dgm:style>
+  </dgm:styleLbl>
+  <dgm:styleLbl name="trAlignAcc1">
+    <dgm:scene3d>
+      <a:camera prst="orthographicFront"/>
+      <a:lightRig rig="threePt" dir="t"/>
+    </dgm:scene3d>
+    <dgm:sp3d/>
+    <dgm:txPr/>
+    <dgm:style>
+      <a:lnRef idx="1">
+        <a:scrgbClr r="0" g="0" b="0"/>
+      </a:lnRef>
+      <a:fillRef idx="1">
+        <a:scrgbClr r="0" g="0" b="0"/>
+      </a:fillRef>
+      <a:effectRef idx="0">
+        <a:scrgbClr r="0" g="0" b="0"/>
+      </a:effectRef>
+      <a:fontRef idx="minor"/>
+    </dgm:style>
+  </dgm:styleLbl>
+  <dgm:styleLbl name="bgAcc1">
+    <dgm:scene3d>
+      <a:camera prst="orthographicFront"/>
+      <a:lightRig rig="threePt" dir="t"/>
+    </dgm:scene3d>
+    <dgm:sp3d/>
+    <dgm:txPr/>
+    <dgm:style>
+      <a:lnRef idx="1">
+        <a:scrgbClr r="0" g="0" b="0"/>
+      </a:lnRef>
+      <a:fillRef idx="1">
+        <a:scrgbClr r="0" g="0" b="0"/>
+      </a:fillRef>
+      <a:effectRef idx="0">
+        <a:scrgbClr r="0" g="0" b="0"/>
+      </a:effectRef>
+      <a:fontRef idx="minor"/>
+    </dgm:style>
+  </dgm:styleLbl>
+  <dgm:styleLbl name="solidFgAcc1">
+    <dgm:scene3d>
+      <a:camera prst="orthographicFront"/>
+      <a:lightRig rig="threePt" dir="t"/>
+    </dgm:scene3d>
+    <dgm:sp3d/>
+    <dgm:txPr/>
+    <dgm:style>
+      <a:lnRef idx="1">
+        <a:scrgbClr r="0" g="0" b="0"/>
+      </a:lnRef>
+      <a:fillRef idx="2">
+        <a:scrgbClr r="0" g="0" b="0"/>
+      </a:fillRef>
+      <a:effectRef idx="0">
+        <a:scrgbClr r="0" g="0" b="0"/>
+      </a:effectRef>
+      <a:fontRef idx="minor"/>
+    </dgm:style>
+  </dgm:styleLbl>
+  <dgm:styleLbl name="solidAlignAcc1">
+    <dgm:scene3d>
+      <a:camera prst="orthographicFront"/>
+      <a:lightRig rig="threePt" dir="t"/>
+    </dgm:scene3d>
+    <dgm:sp3d/>
+    <dgm:txPr/>
+    <dgm:style>
+      <a:lnRef idx="1">
+        <a:scrgbClr r="0" g="0" b="0"/>
+      </a:lnRef>
+      <a:fillRef idx="1">
+        <a:scrgbClr r="0" g="0" b="0"/>
+      </a:fillRef>
+      <a:effectRef idx="0">
+        <a:scrgbClr r="0" g="0" b="0"/>
+      </a:effectRef>
+      <a:fontRef idx="minor"/>
+    </dgm:style>
+  </dgm:styleLbl>
+  <dgm:styleLbl name="solidBgAcc1">
+    <dgm:scene3d>
+      <a:camera prst="orthographicFront"/>
+      <a:lightRig rig="threePt" dir="t"/>
+    </dgm:scene3d>
+    <dgm:sp3d/>
+    <dgm:txPr/>
+    <dgm:style>
+      <a:lnRef idx="1">
+        <a:scrgbClr r="0" g="0" b="0"/>
+      </a:lnRef>
+      <a:fillRef idx="1">
+        <a:scrgbClr r="0" g="0" b="0"/>
+      </a:fillRef>
+      <a:effectRef idx="0">
+        <a:scrgbClr r="0" g="0" b="0"/>
+      </a:effectRef>
+      <a:fontRef idx="minor"/>
+    </dgm:style>
+  </dgm:styleLbl>
+  <dgm:styleLbl name="fgAccFollowNode1">
+    <dgm:scene3d>
+      <a:camera prst="orthographicFront"/>
+      <a:lightRig rig="threePt" dir="t"/>
+    </dgm:scene3d>
+    <dgm:sp3d/>
+    <dgm:txPr/>
+    <dgm:style>
+      <a:lnRef idx="1">
+        <a:scrgbClr r="0" g="0" b="0"/>
+      </a:lnRef>
+      <a:fillRef idx="1">
+        <a:scrgbClr r="0" g="0" b="0"/>
+      </a:fillRef>
+      <a:effectRef idx="0">
+        <a:scrgbClr r="0" g="0" b="0"/>
+      </a:effectRef>
+      <a:fontRef idx="minor"/>
+    </dgm:style>
+  </dgm:styleLbl>
+  <dgm:styleLbl name="alignAccFollowNode1">
+    <dgm:scene3d>
+      <a:camera prst="orthographicFront"/>
+      <a:lightRig rig="threePt" dir="t"/>
+    </dgm:scene3d>
+    <dgm:sp3d/>
+    <dgm:txPr/>
+    <dgm:style>
+      <a:lnRef idx="1">
+        <a:scrgbClr r="0" g="0" b="0"/>
+      </a:lnRef>
+      <a:fillRef idx="1">
+        <a:scrgbClr r="0" g="0" b="0"/>
+      </a:fillRef>
+      <a:effectRef idx="0">
+        <a:scrgbClr r="0" g="0" b="0"/>
+      </a:effectRef>
+      <a:fontRef idx="minor"/>
+    </dgm:style>
+  </dgm:styleLbl>
+  <dgm:styleLbl name="bgAccFollowNode1">
+    <dgm:scene3d>
+      <a:camera prst="orthographicFront"/>
+      <a:lightRig rig="threePt" dir="t"/>
+    </dgm:scene3d>
+    <dgm:sp3d/>
+    <dgm:txPr/>
+    <dgm:style>
+      <a:lnRef idx="1">
+        <a:scrgbClr r="0" g="0" b="0"/>
+      </a:lnRef>
+      <a:fillRef idx="1">
+        <a:scrgbClr r="0" g="0" b="0"/>
+      </a:fillRef>
+      <a:effectRef idx="0">
+        <a:scrgbClr r="0" g="0" b="0"/>
+      </a:effectRef>
+      <a:fontRef idx="minor"/>
+    </dgm:style>
+  </dgm:styleLbl>
+  <dgm:styleLbl name="fgAcc0">
+    <dgm:scene3d>
+      <a:camera prst="orthographicFront"/>
+      <a:lightRig rig="threePt" dir="t"/>
+    </dgm:scene3d>
+    <dgm:sp3d/>
+    <dgm:txPr/>
+    <dgm:style>
+      <a:lnRef idx="1">
+        <a:scrgbClr r="0" g="0" b="0"/>
+      </a:lnRef>
+      <a:fillRef idx="1">
+        <a:scrgbClr r="0" g="0" b="0"/>
+      </a:fillRef>
+      <a:effectRef idx="0">
+        <a:scrgbClr r="0" g="0" b="0"/>
+      </a:effectRef>
+      <a:fontRef idx="minor"/>
+    </dgm:style>
+  </dgm:styleLbl>
+  <dgm:styleLbl name="fgAcc2">
+    <dgm:scene3d>
+      <a:camera prst="orthographicFront"/>
+      <a:lightRig rig="threePt" dir="t"/>
+    </dgm:scene3d>
+    <dgm:sp3d/>
+    <dgm:txPr/>
+    <dgm:style>
+      <a:lnRef idx="1">
+        <a:scrgbClr r="0" g="0" b="0"/>
+      </a:lnRef>
+      <a:fillRef idx="1">
+        <a:scrgbClr r="0" g="0" b="0"/>
+      </a:fillRef>
+      <a:effectRef idx="0">
+        <a:scrgbClr r="0" g="0" b="0"/>
+      </a:effectRef>
+      <a:fontRef idx="minor"/>
+    </dgm:style>
+  </dgm:styleLbl>
+  <dgm:styleLbl name="fgAcc3">
+    <dgm:scene3d>
+      <a:camera prst="orthographicFront"/>
+      <a:lightRig rig="threePt" dir="t"/>
+    </dgm:scene3d>
+    <dgm:sp3d/>
+    <dgm:txPr/>
+    <dgm:style>
+      <a:lnRef idx="1">
+        <a:scrgbClr r="0" g="0" b="0"/>
+      </a:lnRef>
+      <a:fillRef idx="1">
+        <a:scrgbClr r="0" g="0" b="0"/>
+      </a:fillRef>
+      <a:effectRef idx="0">
+        <a:scrgbClr r="0" g="0" b="0"/>
+      </a:effectRef>
+      <a:fontRef idx="minor"/>
+    </dgm:style>
+  </dgm:styleLbl>
+  <dgm:styleLbl name="fgAcc4">
+    <dgm:scene3d>
+      <a:camera prst="orthographicFront"/>
+      <a:lightRig rig="threePt" dir="t"/>
+    </dgm:scene3d>
+    <dgm:sp3d/>
+    <dgm:txPr/>
+    <dgm:style>
+      <a:lnRef idx="1">
+        <a:scrgbClr r="0" g="0" b="0"/>
+      </a:lnRef>
+      <a:fillRef idx="1">
+        <a:scrgbClr r="0" g="0" b="0"/>
+      </a:fillRef>
+      <a:effectRef idx="0">
+        <a:scrgbClr r="0" g="0" b="0"/>
+      </a:effectRef>
+      <a:fontRef idx="minor"/>
+    </dgm:style>
+  </dgm:styleLbl>
+  <dgm:styleLbl name="bgShp">
+    <dgm:scene3d>
+      <a:camera prst="orthographicFront"/>
+      <a:lightRig rig="threePt" dir="t"/>
+    </dgm:scene3d>
+    <dgm:sp3d/>
+    <dgm:txPr/>
+    <dgm:style>
+      <a:lnRef idx="0">
+        <a:scrgbClr r="0" g="0" b="0"/>
+      </a:lnRef>
+      <a:fillRef idx="1">
+        <a:scrgbClr r="0" g="0" b="0"/>
+      </a:fillRef>
+      <a:effectRef idx="1">
+        <a:scrgbClr r="0" g="0" b="0"/>
+      </a:effectRef>
+      <a:fontRef idx="minor"/>
+    </dgm:style>
+  </dgm:styleLbl>
+  <dgm:styleLbl name="dkBgShp">
+    <dgm:scene3d>
+      <a:camera prst="orthographicFront"/>
+      <a:lightRig rig="threePt" dir="t"/>
+    </dgm:scene3d>
+    <dgm:sp3d/>
+    <dgm:txPr/>
+    <dgm:style>
+      <a:lnRef idx="0">
+        <a:scrgbClr r="0" g="0" b="0"/>
+      </a:lnRef>
+      <a:fillRef idx="1">
+        <a:scrgbClr r="0" g="0" b="0"/>
+      </a:fillRef>
+      <a:effectRef idx="1">
+        <a:scrgbClr r="0" g="0" b="0"/>
+      </a:effectRef>
+      <a:fontRef idx="minor"/>
+    </dgm:style>
+  </dgm:styleLbl>
+  <dgm:styleLbl name="trBgShp">
+    <dgm:scene3d>
+      <a:camera prst="orthographicFront"/>
+      <a:lightRig rig="threePt" dir="t"/>
+    </dgm:scene3d>
+    <dgm:sp3d/>
+    <dgm:txPr/>
+    <dgm:style>
+      <a:lnRef idx="0">
+        <a:scrgbClr r="0" g="0" b="0"/>
+      </a:lnRef>
+      <a:fillRef idx="1">
+        <a:scrgbClr r="0" g="0" b="0"/>
+      </a:fillRef>
+      <a:effectRef idx="0">
+        <a:scrgbClr r="0" g="0" b="0"/>
+      </a:effectRef>
+      <a:fontRef idx="minor"/>
+    </dgm:style>
+  </dgm:styleLbl>
+  <dgm:styleLbl name="fgShp">
+    <dgm:scene3d>
+      <a:camera prst="orthographicFront"/>
+      <a:lightRig rig="flat" dir="t"/>
+    </dgm:scene3d>
+    <dgm:sp3d prstMaterial="dkEdge">
+      <a:bevelT w="8200" h="38100"/>
+    </dgm:sp3d>
+    <dgm:txPr/>
+    <dgm:style>
+      <a:lnRef idx="1">
+        <a:scrgbClr r="0" g="0" b="0"/>
+      </a:lnRef>
+      <a:fillRef idx="2">
+        <a:scrgbClr r="0" g="0" b="0"/>
+      </a:fillRef>
+      <a:effectRef idx="1">
         <a:scrgbClr r="0" g="0" b="0"/>
       </a:effectRef>
       <a:fontRef idx="minor"/>
@@ -18103,7 +21200,7 @@
           <a:p>
             <a:fld id="{3F17CAFC-32BC-43AC-A360-905A0576E602}" type="datetimeFigureOut">
               <a:rPr lang="en-US" smtClean="0"/>
-              <a:t>11/10/2023</a:t>
+              <a:t>7/2/2024</a:t>
             </a:fld>
             <a:endParaRPr lang="en-US"/>
           </a:p>
@@ -27164,7 +30261,7 @@
             <a:fld id="{5586B75A-687E-405C-8A0B-8D00578BA2C3}" type="datetimeFigureOut">
               <a:rPr lang="en-US" smtClean="0"/>
               <a:pPr/>
-              <a:t>11/10/2023</a:t>
+              <a:t>7/2/2024</a:t>
             </a:fld>
             <a:endParaRPr lang="en-US" dirty="0"/>
           </a:p>
@@ -27385,7 +30482,7 @@
             <a:fld id="{5586B75A-687E-405C-8A0B-8D00578BA2C3}" type="datetimeFigureOut">
               <a:rPr lang="en-US" smtClean="0"/>
               <a:pPr/>
-              <a:t>11/10/2023</a:t>
+              <a:t>7/2/2024</a:t>
             </a:fld>
             <a:endParaRPr lang="en-US" dirty="0"/>
           </a:p>
@@ -27580,7 +30677,7 @@
             <a:fld id="{5586B75A-687E-405C-8A0B-8D00578BA2C3}" type="datetimeFigureOut">
               <a:rPr lang="en-US" smtClean="0"/>
               <a:pPr/>
-              <a:t>11/10/2023</a:t>
+              <a:t>7/2/2024</a:t>
             </a:fld>
             <a:endParaRPr lang="en-US" dirty="0"/>
           </a:p>
@@ -27800,7 +30897,7 @@
             <a:fld id="{5586B75A-687E-405C-8A0B-8D00578BA2C3}" type="datetimeFigureOut">
               <a:rPr lang="en-US" smtClean="0"/>
               <a:pPr/>
-              <a:t>11/10/2023</a:t>
+              <a:t>7/2/2024</a:t>
             </a:fld>
             <a:endParaRPr lang="en-US" dirty="0"/>
           </a:p>
@@ -36713,7 +39810,7 @@
             <a:fld id="{5586B75A-687E-405C-8A0B-8D00578BA2C3}" type="datetimeFigureOut">
               <a:rPr lang="en-US" smtClean="0"/>
               <a:pPr/>
-              <a:t>11/10/2023</a:t>
+              <a:t>7/2/2024</a:t>
             </a:fld>
             <a:endParaRPr lang="en-US" dirty="0"/>
           </a:p>
@@ -37001,7 +40098,7 @@
             <a:fld id="{5586B75A-687E-405C-8A0B-8D00578BA2C3}" type="datetimeFigureOut">
               <a:rPr lang="en-US" smtClean="0"/>
               <a:pPr/>
-              <a:t>11/10/2023</a:t>
+              <a:t>7/2/2024</a:t>
             </a:fld>
             <a:endParaRPr lang="en-US" dirty="0"/>
           </a:p>
@@ -37414,7 +40511,7 @@
             <a:fld id="{5586B75A-687E-405C-8A0B-8D00578BA2C3}" type="datetimeFigureOut">
               <a:rPr lang="en-US" smtClean="0"/>
               <a:pPr/>
-              <a:t>11/10/2023</a:t>
+              <a:t>7/2/2024</a:t>
             </a:fld>
             <a:endParaRPr lang="en-US" dirty="0"/>
           </a:p>
@@ -37547,7 +40644,7 @@
             <a:fld id="{5586B75A-687E-405C-8A0B-8D00578BA2C3}" type="datetimeFigureOut">
               <a:rPr lang="en-US" smtClean="0"/>
               <a:pPr/>
-              <a:t>11/10/2023</a:t>
+              <a:t>7/2/2024</a:t>
             </a:fld>
             <a:endParaRPr lang="en-US" dirty="0"/>
           </a:p>
@@ -37656,7 +40753,7 @@
             <a:fld id="{5586B75A-687E-405C-8A0B-8D00578BA2C3}" type="datetimeFigureOut">
               <a:rPr lang="en-US" smtClean="0"/>
               <a:pPr/>
-              <a:t>11/10/2023</a:t>
+              <a:t>7/2/2024</a:t>
             </a:fld>
             <a:endParaRPr lang="en-US" dirty="0"/>
           </a:p>
@@ -37960,7 +41057,7 @@
             <a:fld id="{5586B75A-687E-405C-8A0B-8D00578BA2C3}" type="datetimeFigureOut">
               <a:rPr lang="en-US" smtClean="0"/>
               <a:pPr/>
-              <a:t>11/10/2023</a:t>
+              <a:t>7/2/2024</a:t>
             </a:fld>
             <a:endParaRPr lang="en-US" dirty="0"/>
           </a:p>
@@ -38255,7 +41352,7 @@
             <a:fld id="{5586B75A-687E-405C-8A0B-8D00578BA2C3}" type="datetimeFigureOut">
               <a:rPr lang="en-US" smtClean="0"/>
               <a:pPr/>
-              <a:t>11/10/2023</a:t>
+              <a:t>7/2/2024</a:t>
             </a:fld>
             <a:endParaRPr lang="en-US" dirty="0"/>
           </a:p>
@@ -38520,7 +41617,7 @@
             <a:fld id="{5586B75A-687E-405C-8A0B-8D00578BA2C3}" type="datetimeFigureOut">
               <a:rPr lang="en-US" smtClean="0"/>
               <a:pPr/>
-              <a:t>11/10/2023</a:t>
+              <a:t>7/2/2024</a:t>
             </a:fld>
             <a:endParaRPr lang="en-US" dirty="0"/>
           </a:p>
@@ -40919,6 +44016,1493 @@
 </p:sld>
 </file>
 
+<file path=ppt/slides/slide9.xml><?xml version="1.0" encoding="utf-8"?>
+<p:sld xmlns:a="http://schemas.openxmlformats.org/drawingml/2006/main" xmlns:r="http://schemas.openxmlformats.org/officeDocument/2006/relationships" xmlns:p="http://schemas.openxmlformats.org/presentationml/2006/main">
+  <p:cSld>
+    <p:spTree>
+      <p:nvGrpSpPr>
+        <p:cNvPr id="1" name=""/>
+        <p:cNvGrpSpPr/>
+        <p:nvPr/>
+      </p:nvGrpSpPr>
+      <p:grpSpPr>
+        <a:xfrm>
+          <a:off x="0" y="0"/>
+          <a:ext cx="0" cy="0"/>
+          <a:chOff x="0" y="0"/>
+          <a:chExt cx="0" cy="0"/>
+        </a:xfrm>
+      </p:grpSpPr>
+      <p:grpSp>
+        <p:nvGrpSpPr>
+          <p:cNvPr id="33" name="Group 32">
+            <a:extLst>
+              <a:ext uri="{FF2B5EF4-FFF2-40B4-BE49-F238E27FC236}">
+                <a16:creationId xmlns:a16="http://schemas.microsoft.com/office/drawing/2014/main" id="{10D50AB1-6730-DDAF-A710-9BF2C88B5065}"/>
+              </a:ext>
+            </a:extLst>
+          </p:cNvPr>
+          <p:cNvGrpSpPr/>
+          <p:nvPr/>
+        </p:nvGrpSpPr>
+        <p:grpSpPr>
+          <a:xfrm>
+            <a:off x="6242052" y="2340265"/>
+            <a:ext cx="1997670" cy="2053568"/>
+            <a:chOff x="8860269" y="3584447"/>
+            <a:chExt cx="1997670" cy="2053568"/>
+          </a:xfrm>
+        </p:grpSpPr>
+        <p:pic>
+          <p:nvPicPr>
+            <p:cNvPr id="34" name="Graphic 33" descr="Server">
+              <a:extLst>
+                <a:ext uri="{FF2B5EF4-FFF2-40B4-BE49-F238E27FC236}">
+                  <a16:creationId xmlns:a16="http://schemas.microsoft.com/office/drawing/2014/main" id="{726ADDF7-1B32-A669-51FB-80ED90B9E769}"/>
+                </a:ext>
+              </a:extLst>
+            </p:cNvPr>
+            <p:cNvPicPr>
+              <a:picLocks noChangeAspect="1"/>
+            </p:cNvPicPr>
+            <p:nvPr/>
+          </p:nvPicPr>
+          <p:blipFill>
+            <a:blip r:embed="rId2">
+              <a:extLst>
+                <a:ext uri="{96DAC541-7B7A-43D3-8B79-37D633B846F1}">
+                  <asvg:svgBlip xmlns:asvg="http://schemas.microsoft.com/office/drawing/2016/SVG/main" r:embed="rId3"/>
+                </a:ext>
+              </a:extLst>
+            </a:blip>
+            <a:stretch>
+              <a:fillRect/>
+            </a:stretch>
+          </p:blipFill>
+          <p:spPr>
+            <a:xfrm rot="10800000">
+              <a:off x="8860269" y="3594660"/>
+              <a:ext cx="1997670" cy="2043355"/>
+            </a:xfrm>
+            <a:prstGeom prst="rect">
+              <a:avLst/>
+            </a:prstGeom>
+          </p:spPr>
+        </p:pic>
+        <p:sp>
+          <p:nvSpPr>
+            <p:cNvPr id="35" name="Rectangle 34">
+              <a:extLst>
+                <a:ext uri="{FF2B5EF4-FFF2-40B4-BE49-F238E27FC236}">
+                  <a16:creationId xmlns:a16="http://schemas.microsoft.com/office/drawing/2014/main" id="{97B6DC39-4B89-C8AC-81C9-5DD890143D55}"/>
+                </a:ext>
+              </a:extLst>
+            </p:cNvPr>
+            <p:cNvSpPr/>
+            <p:nvPr/>
+          </p:nvSpPr>
+          <p:spPr>
+            <a:xfrm>
+              <a:off x="9087410" y="4629867"/>
+              <a:ext cx="1543387" cy="834242"/>
+            </a:xfrm>
+            <a:prstGeom prst="rect">
+              <a:avLst/>
+            </a:prstGeom>
+            <a:solidFill>
+              <a:schemeClr val="bg1"/>
+            </a:solidFill>
+            <a:ln>
+              <a:noFill/>
+            </a:ln>
+          </p:spPr>
+          <p:style>
+            <a:lnRef idx="2">
+              <a:schemeClr val="accent1">
+                <a:shade val="15000"/>
+              </a:schemeClr>
+            </a:lnRef>
+            <a:fillRef idx="1">
+              <a:schemeClr val="accent1"/>
+            </a:fillRef>
+            <a:effectRef idx="0">
+              <a:schemeClr val="accent1"/>
+            </a:effectRef>
+            <a:fontRef idx="minor">
+              <a:schemeClr val="lt1"/>
+            </a:fontRef>
+          </p:style>
+          <p:txBody>
+            <a:bodyPr rtlCol="0" anchor="ctr"/>
+            <a:lstStyle/>
+            <a:p>
+              <a:pPr algn="ctr"/>
+              <a:endParaRPr lang="en-US"/>
+            </a:p>
+          </p:txBody>
+        </p:sp>
+        <p:sp>
+          <p:nvSpPr>
+            <p:cNvPr id="36" name="Rectangle 35">
+              <a:extLst>
+                <a:ext uri="{FF2B5EF4-FFF2-40B4-BE49-F238E27FC236}">
+                  <a16:creationId xmlns:a16="http://schemas.microsoft.com/office/drawing/2014/main" id="{C2000E07-3E1B-88A7-6750-1A3FCDDA8295}"/>
+                </a:ext>
+              </a:extLst>
+            </p:cNvPr>
+            <p:cNvSpPr/>
+            <p:nvPr/>
+          </p:nvSpPr>
+          <p:spPr>
+            <a:xfrm>
+              <a:off x="9087689" y="3584447"/>
+              <a:ext cx="1543387" cy="523867"/>
+            </a:xfrm>
+            <a:prstGeom prst="rect">
+              <a:avLst/>
+            </a:prstGeom>
+            <a:solidFill>
+              <a:schemeClr val="bg1"/>
+            </a:solidFill>
+            <a:ln>
+              <a:noFill/>
+            </a:ln>
+          </p:spPr>
+          <p:style>
+            <a:lnRef idx="2">
+              <a:schemeClr val="accent1">
+                <a:shade val="15000"/>
+              </a:schemeClr>
+            </a:lnRef>
+            <a:fillRef idx="1">
+              <a:schemeClr val="accent1"/>
+            </a:fillRef>
+            <a:effectRef idx="0">
+              <a:schemeClr val="accent1"/>
+            </a:effectRef>
+            <a:fontRef idx="minor">
+              <a:schemeClr val="lt1"/>
+            </a:fontRef>
+          </p:style>
+          <p:txBody>
+            <a:bodyPr rtlCol="0" anchor="ctr"/>
+            <a:lstStyle/>
+            <a:p>
+              <a:pPr algn="ctr"/>
+              <a:endParaRPr lang="en-US"/>
+            </a:p>
+          </p:txBody>
+        </p:sp>
+      </p:grpSp>
+      <p:grpSp>
+        <p:nvGrpSpPr>
+          <p:cNvPr id="32" name="Group 31">
+            <a:extLst>
+              <a:ext uri="{FF2B5EF4-FFF2-40B4-BE49-F238E27FC236}">
+                <a16:creationId xmlns:a16="http://schemas.microsoft.com/office/drawing/2014/main" id="{E7A9FE04-D2D3-2BFF-1850-2E0684721077}"/>
+              </a:ext>
+            </a:extLst>
+          </p:cNvPr>
+          <p:cNvGrpSpPr/>
+          <p:nvPr/>
+        </p:nvGrpSpPr>
+        <p:grpSpPr>
+          <a:xfrm>
+            <a:off x="3815855" y="2348027"/>
+            <a:ext cx="1997670" cy="2053568"/>
+            <a:chOff x="8860269" y="3584447"/>
+            <a:chExt cx="1997670" cy="2053568"/>
+          </a:xfrm>
+        </p:grpSpPr>
+        <p:pic>
+          <p:nvPicPr>
+            <p:cNvPr id="29" name="Graphic 28" descr="Server">
+              <a:extLst>
+                <a:ext uri="{FF2B5EF4-FFF2-40B4-BE49-F238E27FC236}">
+                  <a16:creationId xmlns:a16="http://schemas.microsoft.com/office/drawing/2014/main" id="{5E5D0728-A4F2-9068-7AB1-97568B8E4824}"/>
+                </a:ext>
+              </a:extLst>
+            </p:cNvPr>
+            <p:cNvPicPr>
+              <a:picLocks noChangeAspect="1"/>
+            </p:cNvPicPr>
+            <p:nvPr/>
+          </p:nvPicPr>
+          <p:blipFill>
+            <a:blip r:embed="rId2">
+              <a:extLst>
+                <a:ext uri="{96DAC541-7B7A-43D3-8B79-37D633B846F1}">
+                  <asvg:svgBlip xmlns:asvg="http://schemas.microsoft.com/office/drawing/2016/SVG/main" r:embed="rId3"/>
+                </a:ext>
+              </a:extLst>
+            </a:blip>
+            <a:stretch>
+              <a:fillRect/>
+            </a:stretch>
+          </p:blipFill>
+          <p:spPr>
+            <a:xfrm rot="10800000">
+              <a:off x="8860269" y="3594660"/>
+              <a:ext cx="1997670" cy="2043355"/>
+            </a:xfrm>
+            <a:prstGeom prst="rect">
+              <a:avLst/>
+            </a:prstGeom>
+          </p:spPr>
+        </p:pic>
+        <p:sp>
+          <p:nvSpPr>
+            <p:cNvPr id="30" name="Rectangle 29">
+              <a:extLst>
+                <a:ext uri="{FF2B5EF4-FFF2-40B4-BE49-F238E27FC236}">
+                  <a16:creationId xmlns:a16="http://schemas.microsoft.com/office/drawing/2014/main" id="{60107BF4-C77F-1A68-B582-A6A5920209F0}"/>
+                </a:ext>
+              </a:extLst>
+            </p:cNvPr>
+            <p:cNvSpPr/>
+            <p:nvPr/>
+          </p:nvSpPr>
+          <p:spPr>
+            <a:xfrm>
+              <a:off x="9087410" y="4629867"/>
+              <a:ext cx="1543387" cy="834242"/>
+            </a:xfrm>
+            <a:prstGeom prst="rect">
+              <a:avLst/>
+            </a:prstGeom>
+            <a:solidFill>
+              <a:schemeClr val="bg1"/>
+            </a:solidFill>
+            <a:ln>
+              <a:noFill/>
+            </a:ln>
+          </p:spPr>
+          <p:style>
+            <a:lnRef idx="2">
+              <a:schemeClr val="accent1">
+                <a:shade val="15000"/>
+              </a:schemeClr>
+            </a:lnRef>
+            <a:fillRef idx="1">
+              <a:schemeClr val="accent1"/>
+            </a:fillRef>
+            <a:effectRef idx="0">
+              <a:schemeClr val="accent1"/>
+            </a:effectRef>
+            <a:fontRef idx="minor">
+              <a:schemeClr val="lt1"/>
+            </a:fontRef>
+          </p:style>
+          <p:txBody>
+            <a:bodyPr rtlCol="0" anchor="ctr"/>
+            <a:lstStyle/>
+            <a:p>
+              <a:pPr algn="ctr"/>
+              <a:endParaRPr lang="en-US"/>
+            </a:p>
+          </p:txBody>
+        </p:sp>
+        <p:sp>
+          <p:nvSpPr>
+            <p:cNvPr id="31" name="Rectangle 30">
+              <a:extLst>
+                <a:ext uri="{FF2B5EF4-FFF2-40B4-BE49-F238E27FC236}">
+                  <a16:creationId xmlns:a16="http://schemas.microsoft.com/office/drawing/2014/main" id="{7144D748-46CE-FF9F-55AC-3D5EF19CDCCA}"/>
+                </a:ext>
+              </a:extLst>
+            </p:cNvPr>
+            <p:cNvSpPr/>
+            <p:nvPr/>
+          </p:nvSpPr>
+          <p:spPr>
+            <a:xfrm>
+              <a:off x="9087689" y="3584447"/>
+              <a:ext cx="1543387" cy="523867"/>
+            </a:xfrm>
+            <a:prstGeom prst="rect">
+              <a:avLst/>
+            </a:prstGeom>
+            <a:solidFill>
+              <a:schemeClr val="bg1"/>
+            </a:solidFill>
+            <a:ln>
+              <a:noFill/>
+            </a:ln>
+          </p:spPr>
+          <p:style>
+            <a:lnRef idx="2">
+              <a:schemeClr val="accent1">
+                <a:shade val="15000"/>
+              </a:schemeClr>
+            </a:lnRef>
+            <a:fillRef idx="1">
+              <a:schemeClr val="accent1"/>
+            </a:fillRef>
+            <a:effectRef idx="0">
+              <a:schemeClr val="accent1"/>
+            </a:effectRef>
+            <a:fontRef idx="minor">
+              <a:schemeClr val="lt1"/>
+            </a:fontRef>
+          </p:style>
+          <p:txBody>
+            <a:bodyPr rtlCol="0" anchor="ctr"/>
+            <a:lstStyle/>
+            <a:p>
+              <a:pPr algn="ctr"/>
+              <a:endParaRPr lang="en-US"/>
+            </a:p>
+          </p:txBody>
+        </p:sp>
+      </p:grpSp>
+      <p:grpSp>
+        <p:nvGrpSpPr>
+          <p:cNvPr id="22" name="Group 21">
+            <a:extLst>
+              <a:ext uri="{FF2B5EF4-FFF2-40B4-BE49-F238E27FC236}">
+                <a16:creationId xmlns:a16="http://schemas.microsoft.com/office/drawing/2014/main" id="{550CFDEF-4AFE-9672-BD53-97C165DE3B8B}"/>
+              </a:ext>
+            </a:extLst>
+          </p:cNvPr>
+          <p:cNvGrpSpPr/>
+          <p:nvPr/>
+        </p:nvGrpSpPr>
+        <p:grpSpPr>
+          <a:xfrm>
+            <a:off x="5116788" y="3429000"/>
+            <a:ext cx="1317396" cy="2891391"/>
+            <a:chOff x="5023057" y="3793409"/>
+            <a:chExt cx="1317396" cy="2891391"/>
+          </a:xfrm>
+        </p:grpSpPr>
+        <p:grpSp>
+          <p:nvGrpSpPr>
+            <p:cNvPr id="17" name="Group 16">
+              <a:extLst>
+                <a:ext uri="{FF2B5EF4-FFF2-40B4-BE49-F238E27FC236}">
+                  <a16:creationId xmlns:a16="http://schemas.microsoft.com/office/drawing/2014/main" id="{7CCD9755-48FD-DC49-42B7-9DD451B373DD}"/>
+                </a:ext>
+              </a:extLst>
+            </p:cNvPr>
+            <p:cNvGrpSpPr/>
+            <p:nvPr/>
+          </p:nvGrpSpPr>
+          <p:grpSpPr>
+            <a:xfrm>
+              <a:off x="5023057" y="4570806"/>
+              <a:ext cx="1317396" cy="2113994"/>
+              <a:chOff x="7654703" y="4261670"/>
+              <a:chExt cx="1317396" cy="2113994"/>
+            </a:xfrm>
+          </p:grpSpPr>
+          <p:pic>
+            <p:nvPicPr>
+              <p:cNvPr id="15" name="Graphic 14" descr="Server">
+                <a:extLst>
+                  <a:ext uri="{FF2B5EF4-FFF2-40B4-BE49-F238E27FC236}">
+                    <a16:creationId xmlns:a16="http://schemas.microsoft.com/office/drawing/2014/main" id="{BA3249F9-F0DF-9573-538D-AA3F28FF33B5}"/>
+                  </a:ext>
+                </a:extLst>
+              </p:cNvPr>
+              <p:cNvPicPr>
+                <a:picLocks noChangeAspect="1"/>
+              </p:cNvPicPr>
+              <p:nvPr/>
+            </p:nvPicPr>
+            <p:blipFill>
+              <a:blip r:embed="rId2">
+                <a:extLst>
+                  <a:ext uri="{96DAC541-7B7A-43D3-8B79-37D633B846F1}">
+                    <asvg:svgBlip xmlns:asvg="http://schemas.microsoft.com/office/drawing/2016/SVG/main" r:embed="rId3"/>
+                  </a:ext>
+                </a:extLst>
+              </a:blip>
+              <a:stretch>
+                <a:fillRect/>
+              </a:stretch>
+            </p:blipFill>
+            <p:spPr>
+              <a:xfrm rot="10800000">
+                <a:off x="7654703" y="4332309"/>
+                <a:ext cx="1317396" cy="2043355"/>
+              </a:xfrm>
+              <a:prstGeom prst="rect">
+                <a:avLst/>
+              </a:prstGeom>
+            </p:spPr>
+          </p:pic>
+          <p:sp>
+            <p:nvSpPr>
+              <p:cNvPr id="16" name="Rectangle 15">
+                <a:extLst>
+                  <a:ext uri="{FF2B5EF4-FFF2-40B4-BE49-F238E27FC236}">
+                    <a16:creationId xmlns:a16="http://schemas.microsoft.com/office/drawing/2014/main" id="{EA7C5F63-964A-58D4-B757-C78FF0DC3D83}"/>
+                  </a:ext>
+                </a:extLst>
+              </p:cNvPr>
+              <p:cNvSpPr/>
+              <p:nvPr/>
+            </p:nvSpPr>
+            <p:spPr>
+              <a:xfrm>
+                <a:off x="7804353" y="4261670"/>
+                <a:ext cx="1018095" cy="677222"/>
+              </a:xfrm>
+              <a:prstGeom prst="rect">
+                <a:avLst/>
+              </a:prstGeom>
+              <a:solidFill>
+                <a:schemeClr val="bg1"/>
+              </a:solidFill>
+              <a:ln>
+                <a:noFill/>
+              </a:ln>
+            </p:spPr>
+            <p:style>
+              <a:lnRef idx="2">
+                <a:schemeClr val="accent1">
+                  <a:shade val="15000"/>
+                </a:schemeClr>
+              </a:lnRef>
+              <a:fillRef idx="1">
+                <a:schemeClr val="accent1"/>
+              </a:fillRef>
+              <a:effectRef idx="0">
+                <a:schemeClr val="accent1"/>
+              </a:effectRef>
+              <a:fontRef idx="minor">
+                <a:schemeClr val="lt1"/>
+              </a:fontRef>
+            </p:style>
+            <p:txBody>
+              <a:bodyPr rtlCol="0" anchor="ctr"/>
+              <a:lstStyle/>
+              <a:p>
+                <a:pPr algn="ctr"/>
+                <a:endParaRPr lang="en-US"/>
+              </a:p>
+            </p:txBody>
+          </p:sp>
+        </p:grpSp>
+        <p:pic>
+          <p:nvPicPr>
+            <p:cNvPr id="14" name="Graphic 13" descr="Server">
+              <a:extLst>
+                <a:ext uri="{FF2B5EF4-FFF2-40B4-BE49-F238E27FC236}">
+                  <a16:creationId xmlns:a16="http://schemas.microsoft.com/office/drawing/2014/main" id="{B2D8F415-9495-FAD3-B1CD-AEF3DF76E0BD}"/>
+                </a:ext>
+              </a:extLst>
+            </p:cNvPr>
+            <p:cNvPicPr>
+              <a:picLocks noChangeAspect="1"/>
+            </p:cNvPicPr>
+            <p:nvPr/>
+          </p:nvPicPr>
+          <p:blipFill>
+            <a:blip r:embed="rId2">
+              <a:extLst>
+                <a:ext uri="{96DAC541-7B7A-43D3-8B79-37D633B846F1}">
+                  <asvg:svgBlip xmlns:asvg="http://schemas.microsoft.com/office/drawing/2016/SVG/main" r:embed="rId4"/>
+                </a:ext>
+              </a:extLst>
+            </a:blip>
+            <a:stretch>
+              <a:fillRect/>
+            </a:stretch>
+          </p:blipFill>
+          <p:spPr>
+            <a:xfrm rot="10800000">
+              <a:off x="5023057" y="3793409"/>
+              <a:ext cx="1317396" cy="2043355"/>
+            </a:xfrm>
+            <a:prstGeom prst="rect">
+              <a:avLst/>
+            </a:prstGeom>
+          </p:spPr>
+        </p:pic>
+      </p:grpSp>
+      <p:sp>
+        <p:nvSpPr>
+          <p:cNvPr id="7" name="Title 6">
+            <a:extLst>
+              <a:ext uri="{FF2B5EF4-FFF2-40B4-BE49-F238E27FC236}">
+                <a16:creationId xmlns:a16="http://schemas.microsoft.com/office/drawing/2014/main" id="{4E8DD83F-99BE-BF0F-B1E8-6B2FD737B510}"/>
+              </a:ext>
+            </a:extLst>
+          </p:cNvPr>
+          <p:cNvSpPr>
+            <a:spLocks noGrp="1"/>
+          </p:cNvSpPr>
+          <p:nvPr>
+            <p:ph type="title"/>
+          </p:nvPr>
+        </p:nvSpPr>
+        <p:spPr/>
+        <p:txBody>
+          <a:bodyPr vert="horz" lIns="91440" tIns="45720" rIns="91440" bIns="45720" rtlCol="0" anchor="ctr">
+            <a:normAutofit/>
+          </a:bodyPr>
+          <a:lstStyle/>
+          <a:p>
+            <a:r>
+              <a:rPr lang="zh-CN" altLang="en-US" sz="3200" dirty="0">
+                <a:solidFill>
+                  <a:srgbClr val="C00000"/>
+                </a:solidFill>
+                <a:latin typeface="微软雅黑" panose="020B0503020204020204" pitchFamily="34" charset="-122"/>
+                <a:ea typeface="微软雅黑" panose="020B0503020204020204" pitchFamily="34" charset="-122"/>
+              </a:rPr>
+              <a:t>统一平台架构图（草稿）</a:t>
+            </a:r>
+            <a:endParaRPr lang="en-US" sz="3200" dirty="0">
+              <a:solidFill>
+                <a:srgbClr val="C00000"/>
+              </a:solidFill>
+              <a:latin typeface="微软雅黑" panose="020B0503020204020204" pitchFamily="34" charset="-122"/>
+              <a:ea typeface="微软雅黑" panose="020B0503020204020204" pitchFamily="34" charset="-122"/>
+            </a:endParaRPr>
+          </a:p>
+        </p:txBody>
+      </p:sp>
+      <p:graphicFrame>
+        <p:nvGraphicFramePr>
+          <p:cNvPr id="9" name="Diagram 8">
+            <a:extLst>
+              <a:ext uri="{FF2B5EF4-FFF2-40B4-BE49-F238E27FC236}">
+                <a16:creationId xmlns:a16="http://schemas.microsoft.com/office/drawing/2014/main" id="{EDAB0E95-D764-C47E-34B0-DFF21CA7256D}"/>
+              </a:ext>
+            </a:extLst>
+          </p:cNvPr>
+          <p:cNvGraphicFramePr/>
+          <p:nvPr>
+            <p:extLst>
+              <p:ext uri="{D42A27DB-BD31-4B8C-83A1-F6EECF244321}">
+                <p14:modId xmlns:p14="http://schemas.microsoft.com/office/powerpoint/2010/main" val="424129906"/>
+              </p:ext>
+            </p:extLst>
+          </p:nvPr>
+        </p:nvGraphicFramePr>
+        <p:xfrm>
+          <a:off x="1682160" y="2047124"/>
+          <a:ext cx="8620289" cy="677222"/>
+        </p:xfrm>
+        <a:graphic>
+          <a:graphicData uri="http://schemas.openxmlformats.org/drawingml/2006/diagram">
+            <dgm:relIds xmlns:dgm="http://schemas.openxmlformats.org/drawingml/2006/diagram" xmlns:r="http://schemas.openxmlformats.org/officeDocument/2006/relationships" r:dm="rId5" r:lo="rId6" r:qs="rId7" r:cs="rId8"/>
+          </a:graphicData>
+        </a:graphic>
+      </p:graphicFrame>
+      <p:pic>
+        <p:nvPicPr>
+          <p:cNvPr id="12" name="Graphic 11" descr="Server">
+            <a:extLst>
+              <a:ext uri="{FF2B5EF4-FFF2-40B4-BE49-F238E27FC236}">
+                <a16:creationId xmlns:a16="http://schemas.microsoft.com/office/drawing/2014/main" id="{2F3041E7-1FF7-250C-A0A6-8B9D7E918680}"/>
+              </a:ext>
+            </a:extLst>
+          </p:cNvPr>
+          <p:cNvPicPr>
+            <a:picLocks noChangeAspect="1"/>
+          </p:cNvPicPr>
+          <p:nvPr/>
+        </p:nvPicPr>
+        <p:blipFill>
+          <a:blip r:embed="rId2">
+            <a:extLst>
+              <a:ext uri="{96DAC541-7B7A-43D3-8B79-37D633B846F1}">
+                <asvg:svgBlip xmlns:asvg="http://schemas.microsoft.com/office/drawing/2016/SVG/main" r:embed="rId3"/>
+              </a:ext>
+            </a:extLst>
+          </a:blip>
+          <a:stretch>
+            <a:fillRect/>
+          </a:stretch>
+        </p:blipFill>
+        <p:spPr>
+          <a:xfrm rot="10800000">
+            <a:off x="1693820" y="3442261"/>
+            <a:ext cx="1317396" cy="2043355"/>
+          </a:xfrm>
+          <a:prstGeom prst="rect">
+            <a:avLst/>
+          </a:prstGeom>
+        </p:spPr>
+      </p:pic>
+      <p:sp>
+        <p:nvSpPr>
+          <p:cNvPr id="18" name="TextBox 17">
+            <a:extLst>
+              <a:ext uri="{FF2B5EF4-FFF2-40B4-BE49-F238E27FC236}">
+                <a16:creationId xmlns:a16="http://schemas.microsoft.com/office/drawing/2014/main" id="{15B85582-09C5-7B62-FEDB-58F2F8612F57}"/>
+              </a:ext>
+            </a:extLst>
+          </p:cNvPr>
+          <p:cNvSpPr txBox="1"/>
+          <p:nvPr/>
+        </p:nvSpPr>
+        <p:spPr>
+          <a:xfrm>
+            <a:off x="1672388" y="5311974"/>
+            <a:ext cx="1338828" cy="369332"/>
+          </a:xfrm>
+          <a:prstGeom prst="rect">
+            <a:avLst/>
+          </a:prstGeom>
+          <a:noFill/>
+        </p:spPr>
+        <p:txBody>
+          <a:bodyPr wrap="none" rtlCol="0">
+            <a:spAutoFit/>
+          </a:bodyPr>
+          <a:lstStyle/>
+          <a:p>
+            <a:r>
+              <a:rPr lang="zh-CN" altLang="en-US" dirty="0">
+                <a:solidFill>
+                  <a:srgbClr val="C00000"/>
+                </a:solidFill>
+              </a:rPr>
+              <a:t>用户服务集</a:t>
+            </a:r>
+            <a:endParaRPr lang="en-US" dirty="0">
+              <a:solidFill>
+                <a:srgbClr val="C00000"/>
+              </a:solidFill>
+            </a:endParaRPr>
+          </a:p>
+        </p:txBody>
+      </p:sp>
+      <p:grpSp>
+        <p:nvGrpSpPr>
+          <p:cNvPr id="49" name="Group 48">
+            <a:extLst>
+              <a:ext uri="{FF2B5EF4-FFF2-40B4-BE49-F238E27FC236}">
+                <a16:creationId xmlns:a16="http://schemas.microsoft.com/office/drawing/2014/main" id="{F590B89E-A48D-50E0-C7D2-F4D705026706}"/>
+              </a:ext>
+            </a:extLst>
+          </p:cNvPr>
+          <p:cNvGrpSpPr/>
+          <p:nvPr/>
+        </p:nvGrpSpPr>
+        <p:grpSpPr>
+          <a:xfrm>
+            <a:off x="3308806" y="3442261"/>
+            <a:ext cx="1543387" cy="2043355"/>
+            <a:chOff x="3629320" y="3442261"/>
+            <a:chExt cx="1543387" cy="2043355"/>
+          </a:xfrm>
+        </p:grpSpPr>
+        <p:pic>
+          <p:nvPicPr>
+            <p:cNvPr id="19" name="Graphic 18" descr="Server">
+              <a:extLst>
+                <a:ext uri="{FF2B5EF4-FFF2-40B4-BE49-F238E27FC236}">
+                  <a16:creationId xmlns:a16="http://schemas.microsoft.com/office/drawing/2014/main" id="{569724CE-9DFE-808D-10DE-3A9088E55E8A}"/>
+                </a:ext>
+              </a:extLst>
+            </p:cNvPr>
+            <p:cNvPicPr>
+              <a:picLocks noChangeAspect="1"/>
+            </p:cNvPicPr>
+            <p:nvPr/>
+          </p:nvPicPr>
+          <p:blipFill>
+            <a:blip r:embed="rId2">
+              <a:extLst>
+                <a:ext uri="{96DAC541-7B7A-43D3-8B79-37D633B846F1}">
+                  <asvg:svgBlip xmlns:asvg="http://schemas.microsoft.com/office/drawing/2016/SVG/main" r:embed="rId3"/>
+                </a:ext>
+              </a:extLst>
+            </a:blip>
+            <a:stretch>
+              <a:fillRect/>
+            </a:stretch>
+          </p:blipFill>
+          <p:spPr>
+            <a:xfrm rot="10800000">
+              <a:off x="3769770" y="3442261"/>
+              <a:ext cx="1317396" cy="2043355"/>
+            </a:xfrm>
+            <a:prstGeom prst="rect">
+              <a:avLst/>
+            </a:prstGeom>
+          </p:spPr>
+        </p:pic>
+        <p:sp>
+          <p:nvSpPr>
+            <p:cNvPr id="21" name="Rectangle 20">
+              <a:extLst>
+                <a:ext uri="{FF2B5EF4-FFF2-40B4-BE49-F238E27FC236}">
+                  <a16:creationId xmlns:a16="http://schemas.microsoft.com/office/drawing/2014/main" id="{FEF0DF33-54B0-B782-4392-759E123B6345}"/>
+                </a:ext>
+              </a:extLst>
+            </p:cNvPr>
+            <p:cNvSpPr/>
+            <p:nvPr/>
+          </p:nvSpPr>
+          <p:spPr>
+            <a:xfrm>
+              <a:off x="3629320" y="4477732"/>
+              <a:ext cx="1543387" cy="834242"/>
+            </a:xfrm>
+            <a:prstGeom prst="rect">
+              <a:avLst/>
+            </a:prstGeom>
+            <a:solidFill>
+              <a:schemeClr val="bg1"/>
+            </a:solidFill>
+            <a:ln>
+              <a:noFill/>
+            </a:ln>
+          </p:spPr>
+          <p:style>
+            <a:lnRef idx="2">
+              <a:schemeClr val="accent1">
+                <a:shade val="15000"/>
+              </a:schemeClr>
+            </a:lnRef>
+            <a:fillRef idx="1">
+              <a:schemeClr val="accent1"/>
+            </a:fillRef>
+            <a:effectRef idx="0">
+              <a:schemeClr val="accent1"/>
+            </a:effectRef>
+            <a:fontRef idx="minor">
+              <a:schemeClr val="lt1"/>
+            </a:fontRef>
+          </p:style>
+          <p:txBody>
+            <a:bodyPr rtlCol="0" anchor="ctr"/>
+            <a:lstStyle/>
+            <a:p>
+              <a:pPr algn="ctr"/>
+              <a:endParaRPr lang="en-US"/>
+            </a:p>
+          </p:txBody>
+        </p:sp>
+      </p:grpSp>
+      <p:sp>
+        <p:nvSpPr>
+          <p:cNvPr id="20" name="TextBox 19">
+            <a:extLst>
+              <a:ext uri="{FF2B5EF4-FFF2-40B4-BE49-F238E27FC236}">
+                <a16:creationId xmlns:a16="http://schemas.microsoft.com/office/drawing/2014/main" id="{C8B611B0-4F0E-2CDE-98BF-D8C2C0179A57}"/>
+              </a:ext>
+            </a:extLst>
+          </p:cNvPr>
+          <p:cNvSpPr txBox="1"/>
+          <p:nvPr/>
+        </p:nvSpPr>
+        <p:spPr>
+          <a:xfrm>
+            <a:off x="3326358" y="4567749"/>
+            <a:ext cx="1563057" cy="369332"/>
+          </a:xfrm>
+          <a:prstGeom prst="rect">
+            <a:avLst/>
+          </a:prstGeom>
+          <a:noFill/>
+        </p:spPr>
+        <p:txBody>
+          <a:bodyPr wrap="none" rtlCol="0">
+            <a:spAutoFit/>
+          </a:bodyPr>
+          <a:lstStyle/>
+          <a:p>
+            <a:r>
+              <a:rPr lang="zh-CN" altLang="en-US" dirty="0">
+                <a:solidFill>
+                  <a:srgbClr val="C00000"/>
+                </a:solidFill>
+              </a:rPr>
+              <a:t>组织目录服务</a:t>
+            </a:r>
+            <a:endParaRPr lang="en-US" dirty="0">
+              <a:solidFill>
+                <a:srgbClr val="C00000"/>
+              </a:solidFill>
+            </a:endParaRPr>
+          </a:p>
+        </p:txBody>
+      </p:sp>
+      <p:sp>
+        <p:nvSpPr>
+          <p:cNvPr id="23" name="TextBox 22">
+            <a:extLst>
+              <a:ext uri="{FF2B5EF4-FFF2-40B4-BE49-F238E27FC236}">
+                <a16:creationId xmlns:a16="http://schemas.microsoft.com/office/drawing/2014/main" id="{2D327FB3-389B-340A-A580-78BC5C22B463}"/>
+              </a:ext>
+            </a:extLst>
+          </p:cNvPr>
+          <p:cNvSpPr txBox="1"/>
+          <p:nvPr/>
+        </p:nvSpPr>
+        <p:spPr>
+          <a:xfrm>
+            <a:off x="5522141" y="6206365"/>
+            <a:ext cx="1338828" cy="369332"/>
+          </a:xfrm>
+          <a:prstGeom prst="rect">
+            <a:avLst/>
+          </a:prstGeom>
+          <a:noFill/>
+        </p:spPr>
+        <p:txBody>
+          <a:bodyPr wrap="none" rtlCol="0">
+            <a:spAutoFit/>
+          </a:bodyPr>
+          <a:lstStyle/>
+          <a:p>
+            <a:r>
+              <a:rPr lang="zh-CN" altLang="en-US" dirty="0">
+                <a:solidFill>
+                  <a:srgbClr val="C00000"/>
+                </a:solidFill>
+              </a:rPr>
+              <a:t>市场服务集</a:t>
+            </a:r>
+            <a:endParaRPr lang="en-US" dirty="0">
+              <a:solidFill>
+                <a:srgbClr val="C00000"/>
+              </a:solidFill>
+            </a:endParaRPr>
+          </a:p>
+        </p:txBody>
+      </p:sp>
+      <p:grpSp>
+        <p:nvGrpSpPr>
+          <p:cNvPr id="24" name="Group 23">
+            <a:extLst>
+              <a:ext uri="{FF2B5EF4-FFF2-40B4-BE49-F238E27FC236}">
+                <a16:creationId xmlns:a16="http://schemas.microsoft.com/office/drawing/2014/main" id="{88A3B2C3-DAA0-E397-0925-2A4A11C65ED9}"/>
+              </a:ext>
+            </a:extLst>
+          </p:cNvPr>
+          <p:cNvGrpSpPr/>
+          <p:nvPr/>
+        </p:nvGrpSpPr>
+        <p:grpSpPr>
+          <a:xfrm>
+            <a:off x="6096642" y="3430478"/>
+            <a:ext cx="1317396" cy="2891391"/>
+            <a:chOff x="5023057" y="3793409"/>
+            <a:chExt cx="1317396" cy="2891391"/>
+          </a:xfrm>
+        </p:grpSpPr>
+        <p:grpSp>
+          <p:nvGrpSpPr>
+            <p:cNvPr id="25" name="Group 24">
+              <a:extLst>
+                <a:ext uri="{FF2B5EF4-FFF2-40B4-BE49-F238E27FC236}">
+                  <a16:creationId xmlns:a16="http://schemas.microsoft.com/office/drawing/2014/main" id="{CE0CD4A8-74CE-332D-0885-648D913EC725}"/>
+                </a:ext>
+              </a:extLst>
+            </p:cNvPr>
+            <p:cNvGrpSpPr/>
+            <p:nvPr/>
+          </p:nvGrpSpPr>
+          <p:grpSpPr>
+            <a:xfrm>
+              <a:off x="5023057" y="4570806"/>
+              <a:ext cx="1317396" cy="2113994"/>
+              <a:chOff x="7654703" y="4261670"/>
+              <a:chExt cx="1317396" cy="2113994"/>
+            </a:xfrm>
+          </p:grpSpPr>
+          <p:pic>
+            <p:nvPicPr>
+              <p:cNvPr id="27" name="Graphic 26" descr="Server">
+                <a:extLst>
+                  <a:ext uri="{FF2B5EF4-FFF2-40B4-BE49-F238E27FC236}">
+                    <a16:creationId xmlns:a16="http://schemas.microsoft.com/office/drawing/2014/main" id="{20531904-03E1-A0EF-876F-0BB6B1590B0C}"/>
+                  </a:ext>
+                </a:extLst>
+              </p:cNvPr>
+              <p:cNvPicPr>
+                <a:picLocks noChangeAspect="1"/>
+              </p:cNvPicPr>
+              <p:nvPr/>
+            </p:nvPicPr>
+            <p:blipFill>
+              <a:blip r:embed="rId2">
+                <a:extLst>
+                  <a:ext uri="{96DAC541-7B7A-43D3-8B79-37D633B846F1}">
+                    <asvg:svgBlip xmlns:asvg="http://schemas.microsoft.com/office/drawing/2016/SVG/main" r:embed="rId3"/>
+                  </a:ext>
+                </a:extLst>
+              </a:blip>
+              <a:stretch>
+                <a:fillRect/>
+              </a:stretch>
+            </p:blipFill>
+            <p:spPr>
+              <a:xfrm rot="10800000">
+                <a:off x="7654703" y="4332309"/>
+                <a:ext cx="1317396" cy="2043355"/>
+              </a:xfrm>
+              <a:prstGeom prst="rect">
+                <a:avLst/>
+              </a:prstGeom>
+            </p:spPr>
+          </p:pic>
+          <p:sp>
+            <p:nvSpPr>
+              <p:cNvPr id="28" name="Rectangle 27">
+                <a:extLst>
+                  <a:ext uri="{FF2B5EF4-FFF2-40B4-BE49-F238E27FC236}">
+                    <a16:creationId xmlns:a16="http://schemas.microsoft.com/office/drawing/2014/main" id="{9E4F7E60-446B-6D0E-508F-5B21FA0B27D1}"/>
+                  </a:ext>
+                </a:extLst>
+              </p:cNvPr>
+              <p:cNvSpPr/>
+              <p:nvPr/>
+            </p:nvSpPr>
+            <p:spPr>
+              <a:xfrm>
+                <a:off x="7804353" y="4261670"/>
+                <a:ext cx="1018095" cy="677222"/>
+              </a:xfrm>
+              <a:prstGeom prst="rect">
+                <a:avLst/>
+              </a:prstGeom>
+              <a:solidFill>
+                <a:schemeClr val="bg1"/>
+              </a:solidFill>
+              <a:ln>
+                <a:noFill/>
+              </a:ln>
+            </p:spPr>
+            <p:style>
+              <a:lnRef idx="2">
+                <a:schemeClr val="accent1">
+                  <a:shade val="15000"/>
+                </a:schemeClr>
+              </a:lnRef>
+              <a:fillRef idx="1">
+                <a:schemeClr val="accent1"/>
+              </a:fillRef>
+              <a:effectRef idx="0">
+                <a:schemeClr val="accent1"/>
+              </a:effectRef>
+              <a:fontRef idx="minor">
+                <a:schemeClr val="lt1"/>
+              </a:fontRef>
+            </p:style>
+            <p:txBody>
+              <a:bodyPr rtlCol="0" anchor="ctr"/>
+              <a:lstStyle/>
+              <a:p>
+                <a:pPr algn="ctr"/>
+                <a:endParaRPr lang="en-US"/>
+              </a:p>
+            </p:txBody>
+          </p:sp>
+        </p:grpSp>
+        <p:pic>
+          <p:nvPicPr>
+            <p:cNvPr id="26" name="Graphic 25" descr="Server">
+              <a:extLst>
+                <a:ext uri="{FF2B5EF4-FFF2-40B4-BE49-F238E27FC236}">
+                  <a16:creationId xmlns:a16="http://schemas.microsoft.com/office/drawing/2014/main" id="{8D0E35D8-4293-8D9B-965B-C1E56F6E9761}"/>
+                </a:ext>
+              </a:extLst>
+            </p:cNvPr>
+            <p:cNvPicPr>
+              <a:picLocks noChangeAspect="1"/>
+            </p:cNvPicPr>
+            <p:nvPr/>
+          </p:nvPicPr>
+          <p:blipFill>
+            <a:blip r:embed="rId2">
+              <a:extLst>
+                <a:ext uri="{96DAC541-7B7A-43D3-8B79-37D633B846F1}">
+                  <asvg:svgBlip xmlns:asvg="http://schemas.microsoft.com/office/drawing/2016/SVG/main" r:embed="rId4"/>
+                </a:ext>
+              </a:extLst>
+            </a:blip>
+            <a:stretch>
+              <a:fillRect/>
+            </a:stretch>
+          </p:blipFill>
+          <p:spPr>
+            <a:xfrm rot="10800000">
+              <a:off x="5023057" y="3793409"/>
+              <a:ext cx="1317396" cy="2043355"/>
+            </a:xfrm>
+            <a:prstGeom prst="rect">
+              <a:avLst/>
+            </a:prstGeom>
+          </p:spPr>
+        </p:pic>
+      </p:grpSp>
+      <p:grpSp>
+        <p:nvGrpSpPr>
+          <p:cNvPr id="37" name="Group 36">
+            <a:extLst>
+              <a:ext uri="{FF2B5EF4-FFF2-40B4-BE49-F238E27FC236}">
+                <a16:creationId xmlns:a16="http://schemas.microsoft.com/office/drawing/2014/main" id="{7F8C17D6-A7CA-32CA-B3A9-AC9CB1D6FDF2}"/>
+              </a:ext>
+            </a:extLst>
+          </p:cNvPr>
+          <p:cNvGrpSpPr/>
+          <p:nvPr/>
+        </p:nvGrpSpPr>
+        <p:grpSpPr>
+          <a:xfrm>
+            <a:off x="7789679" y="3440382"/>
+            <a:ext cx="1317396" cy="2891391"/>
+            <a:chOff x="5023057" y="3793409"/>
+            <a:chExt cx="1317396" cy="2891391"/>
+          </a:xfrm>
+        </p:grpSpPr>
+        <p:grpSp>
+          <p:nvGrpSpPr>
+            <p:cNvPr id="38" name="Group 37">
+              <a:extLst>
+                <a:ext uri="{FF2B5EF4-FFF2-40B4-BE49-F238E27FC236}">
+                  <a16:creationId xmlns:a16="http://schemas.microsoft.com/office/drawing/2014/main" id="{10294F49-0546-138A-560C-2A599913505C}"/>
+                </a:ext>
+              </a:extLst>
+            </p:cNvPr>
+            <p:cNvGrpSpPr/>
+            <p:nvPr/>
+          </p:nvGrpSpPr>
+          <p:grpSpPr>
+            <a:xfrm>
+              <a:off x="5023057" y="4570806"/>
+              <a:ext cx="1317396" cy="2113994"/>
+              <a:chOff x="7654703" y="4261670"/>
+              <a:chExt cx="1317396" cy="2113994"/>
+            </a:xfrm>
+          </p:grpSpPr>
+          <p:pic>
+            <p:nvPicPr>
+              <p:cNvPr id="40" name="Graphic 39" descr="Server">
+                <a:extLst>
+                  <a:ext uri="{FF2B5EF4-FFF2-40B4-BE49-F238E27FC236}">
+                    <a16:creationId xmlns:a16="http://schemas.microsoft.com/office/drawing/2014/main" id="{32FB4AEA-529E-07EF-8372-818AE7CE0E9A}"/>
+                  </a:ext>
+                </a:extLst>
+              </p:cNvPr>
+              <p:cNvPicPr>
+                <a:picLocks noChangeAspect="1"/>
+              </p:cNvPicPr>
+              <p:nvPr/>
+            </p:nvPicPr>
+            <p:blipFill>
+              <a:blip r:embed="rId2">
+                <a:extLst>
+                  <a:ext uri="{96DAC541-7B7A-43D3-8B79-37D633B846F1}">
+                    <asvg:svgBlip xmlns:asvg="http://schemas.microsoft.com/office/drawing/2016/SVG/main" r:embed="rId3"/>
+                  </a:ext>
+                </a:extLst>
+              </a:blip>
+              <a:stretch>
+                <a:fillRect/>
+              </a:stretch>
+            </p:blipFill>
+            <p:spPr>
+              <a:xfrm rot="10800000">
+                <a:off x="7654703" y="4332309"/>
+                <a:ext cx="1317396" cy="2043355"/>
+              </a:xfrm>
+              <a:prstGeom prst="rect">
+                <a:avLst/>
+              </a:prstGeom>
+            </p:spPr>
+          </p:pic>
+          <p:sp>
+            <p:nvSpPr>
+              <p:cNvPr id="41" name="Rectangle 40">
+                <a:extLst>
+                  <a:ext uri="{FF2B5EF4-FFF2-40B4-BE49-F238E27FC236}">
+                    <a16:creationId xmlns:a16="http://schemas.microsoft.com/office/drawing/2014/main" id="{8DECCE16-689F-8C76-D341-957C6DA8CF2A}"/>
+                  </a:ext>
+                </a:extLst>
+              </p:cNvPr>
+              <p:cNvSpPr/>
+              <p:nvPr/>
+            </p:nvSpPr>
+            <p:spPr>
+              <a:xfrm>
+                <a:off x="7804353" y="4261670"/>
+                <a:ext cx="1018095" cy="677222"/>
+              </a:xfrm>
+              <a:prstGeom prst="rect">
+                <a:avLst/>
+              </a:prstGeom>
+              <a:solidFill>
+                <a:schemeClr val="bg1"/>
+              </a:solidFill>
+              <a:ln>
+                <a:noFill/>
+              </a:ln>
+            </p:spPr>
+            <p:style>
+              <a:lnRef idx="2">
+                <a:schemeClr val="accent1">
+                  <a:shade val="15000"/>
+                </a:schemeClr>
+              </a:lnRef>
+              <a:fillRef idx="1">
+                <a:schemeClr val="accent1"/>
+              </a:fillRef>
+              <a:effectRef idx="0">
+                <a:schemeClr val="accent1"/>
+              </a:effectRef>
+              <a:fontRef idx="minor">
+                <a:schemeClr val="lt1"/>
+              </a:fontRef>
+            </p:style>
+            <p:txBody>
+              <a:bodyPr rtlCol="0" anchor="ctr"/>
+              <a:lstStyle/>
+              <a:p>
+                <a:pPr algn="ctr"/>
+                <a:endParaRPr lang="en-US"/>
+              </a:p>
+            </p:txBody>
+          </p:sp>
+        </p:grpSp>
+        <p:pic>
+          <p:nvPicPr>
+            <p:cNvPr id="39" name="Graphic 38" descr="Server">
+              <a:extLst>
+                <a:ext uri="{FF2B5EF4-FFF2-40B4-BE49-F238E27FC236}">
+                  <a16:creationId xmlns:a16="http://schemas.microsoft.com/office/drawing/2014/main" id="{63355970-53E5-DEB0-0A24-A331C4C1C704}"/>
+                </a:ext>
+              </a:extLst>
+            </p:cNvPr>
+            <p:cNvPicPr>
+              <a:picLocks noChangeAspect="1"/>
+            </p:cNvPicPr>
+            <p:nvPr/>
+          </p:nvPicPr>
+          <p:blipFill>
+            <a:blip r:embed="rId2">
+              <a:extLst>
+                <a:ext uri="{96DAC541-7B7A-43D3-8B79-37D633B846F1}">
+                  <asvg:svgBlip xmlns:asvg="http://schemas.microsoft.com/office/drawing/2016/SVG/main" r:embed="rId4"/>
+                </a:ext>
+              </a:extLst>
+            </a:blip>
+            <a:stretch>
+              <a:fillRect/>
+            </a:stretch>
+          </p:blipFill>
+          <p:spPr>
+            <a:xfrm rot="10800000">
+              <a:off x="5023057" y="3793409"/>
+              <a:ext cx="1317396" cy="2043355"/>
+            </a:xfrm>
+            <a:prstGeom prst="rect">
+              <a:avLst/>
+            </a:prstGeom>
+          </p:spPr>
+        </p:pic>
+      </p:grpSp>
+      <p:sp>
+        <p:nvSpPr>
+          <p:cNvPr id="42" name="TextBox 41">
+            <a:extLst>
+              <a:ext uri="{FF2B5EF4-FFF2-40B4-BE49-F238E27FC236}">
+                <a16:creationId xmlns:a16="http://schemas.microsoft.com/office/drawing/2014/main" id="{B3FEE24D-383F-CF95-C6ED-2D5FEB98FA3A}"/>
+              </a:ext>
+            </a:extLst>
+          </p:cNvPr>
+          <p:cNvSpPr txBox="1"/>
+          <p:nvPr/>
+        </p:nvSpPr>
+        <p:spPr>
+          <a:xfrm>
+            <a:off x="7768247" y="6206365"/>
+            <a:ext cx="1338828" cy="369332"/>
+          </a:xfrm>
+          <a:prstGeom prst="rect">
+            <a:avLst/>
+          </a:prstGeom>
+          <a:noFill/>
+        </p:spPr>
+        <p:txBody>
+          <a:bodyPr wrap="none" rtlCol="0">
+            <a:spAutoFit/>
+          </a:bodyPr>
+          <a:lstStyle/>
+          <a:p>
+            <a:r>
+              <a:rPr lang="zh-CN" altLang="en-US" dirty="0">
+                <a:solidFill>
+                  <a:srgbClr val="C00000"/>
+                </a:solidFill>
+              </a:rPr>
+              <a:t>供应服务集</a:t>
+            </a:r>
+            <a:endParaRPr lang="en-US" dirty="0">
+              <a:solidFill>
+                <a:srgbClr val="C00000"/>
+              </a:solidFill>
+            </a:endParaRPr>
+          </a:p>
+        </p:txBody>
+      </p:sp>
+      <p:grpSp>
+        <p:nvGrpSpPr>
+          <p:cNvPr id="50" name="Group 49">
+            <a:extLst>
+              <a:ext uri="{FF2B5EF4-FFF2-40B4-BE49-F238E27FC236}">
+                <a16:creationId xmlns:a16="http://schemas.microsoft.com/office/drawing/2014/main" id="{07373FF9-0381-5AE9-C2CF-7BEF353A40A6}"/>
+              </a:ext>
+            </a:extLst>
+          </p:cNvPr>
+          <p:cNvGrpSpPr/>
+          <p:nvPr/>
+        </p:nvGrpSpPr>
+        <p:grpSpPr>
+          <a:xfrm>
+            <a:off x="9210241" y="3453285"/>
+            <a:ext cx="1543387" cy="2043355"/>
+            <a:chOff x="3629320" y="3442261"/>
+            <a:chExt cx="1543387" cy="2043355"/>
+          </a:xfrm>
+        </p:grpSpPr>
+        <p:pic>
+          <p:nvPicPr>
+            <p:cNvPr id="51" name="Graphic 50" descr="Server">
+              <a:extLst>
+                <a:ext uri="{FF2B5EF4-FFF2-40B4-BE49-F238E27FC236}">
+                  <a16:creationId xmlns:a16="http://schemas.microsoft.com/office/drawing/2014/main" id="{7B05DB24-6455-5215-4204-316988E30992}"/>
+                </a:ext>
+              </a:extLst>
+            </p:cNvPr>
+            <p:cNvPicPr>
+              <a:picLocks noChangeAspect="1"/>
+            </p:cNvPicPr>
+            <p:nvPr/>
+          </p:nvPicPr>
+          <p:blipFill>
+            <a:blip r:embed="rId2">
+              <a:extLst>
+                <a:ext uri="{96DAC541-7B7A-43D3-8B79-37D633B846F1}">
+                  <asvg:svgBlip xmlns:asvg="http://schemas.microsoft.com/office/drawing/2016/SVG/main" r:embed="rId3"/>
+                </a:ext>
+              </a:extLst>
+            </a:blip>
+            <a:stretch>
+              <a:fillRect/>
+            </a:stretch>
+          </p:blipFill>
+          <p:spPr>
+            <a:xfrm rot="10800000">
+              <a:off x="3769770" y="3442261"/>
+              <a:ext cx="1317396" cy="2043355"/>
+            </a:xfrm>
+            <a:prstGeom prst="rect">
+              <a:avLst/>
+            </a:prstGeom>
+          </p:spPr>
+        </p:pic>
+        <p:sp>
+          <p:nvSpPr>
+            <p:cNvPr id="52" name="Rectangle 51">
+              <a:extLst>
+                <a:ext uri="{FF2B5EF4-FFF2-40B4-BE49-F238E27FC236}">
+                  <a16:creationId xmlns:a16="http://schemas.microsoft.com/office/drawing/2014/main" id="{E2D26600-AC0D-BECA-FC21-2AA5741C5338}"/>
+                </a:ext>
+              </a:extLst>
+            </p:cNvPr>
+            <p:cNvSpPr/>
+            <p:nvPr/>
+          </p:nvSpPr>
+          <p:spPr>
+            <a:xfrm>
+              <a:off x="3629320" y="4477732"/>
+              <a:ext cx="1543387" cy="834242"/>
+            </a:xfrm>
+            <a:prstGeom prst="rect">
+              <a:avLst/>
+            </a:prstGeom>
+            <a:solidFill>
+              <a:schemeClr val="bg1"/>
+            </a:solidFill>
+            <a:ln>
+              <a:noFill/>
+            </a:ln>
+          </p:spPr>
+          <p:style>
+            <a:lnRef idx="2">
+              <a:schemeClr val="accent1">
+                <a:shade val="15000"/>
+              </a:schemeClr>
+            </a:lnRef>
+            <a:fillRef idx="1">
+              <a:schemeClr val="accent1"/>
+            </a:fillRef>
+            <a:effectRef idx="0">
+              <a:schemeClr val="accent1"/>
+            </a:effectRef>
+            <a:fontRef idx="minor">
+              <a:schemeClr val="lt1"/>
+            </a:fontRef>
+          </p:style>
+          <p:txBody>
+            <a:bodyPr rtlCol="0" anchor="ctr"/>
+            <a:lstStyle/>
+            <a:p>
+              <a:pPr algn="ctr"/>
+              <a:endParaRPr lang="en-US"/>
+            </a:p>
+          </p:txBody>
+        </p:sp>
+      </p:grpSp>
+      <p:sp>
+        <p:nvSpPr>
+          <p:cNvPr id="53" name="TextBox 52">
+            <a:extLst>
+              <a:ext uri="{FF2B5EF4-FFF2-40B4-BE49-F238E27FC236}">
+                <a16:creationId xmlns:a16="http://schemas.microsoft.com/office/drawing/2014/main" id="{DD8E0101-3108-0F37-D08A-0B92705B1871}"/>
+              </a:ext>
+            </a:extLst>
+          </p:cNvPr>
+          <p:cNvSpPr txBox="1"/>
+          <p:nvPr/>
+        </p:nvSpPr>
+        <p:spPr>
+          <a:xfrm>
+            <a:off x="9427936" y="4514287"/>
+            <a:ext cx="1107996" cy="369332"/>
+          </a:xfrm>
+          <a:prstGeom prst="rect">
+            <a:avLst/>
+          </a:prstGeom>
+          <a:noFill/>
+        </p:spPr>
+        <p:txBody>
+          <a:bodyPr wrap="none" rtlCol="0">
+            <a:spAutoFit/>
+          </a:bodyPr>
+          <a:lstStyle/>
+          <a:p>
+            <a:r>
+              <a:rPr lang="zh-CN" altLang="en-US" dirty="0">
+                <a:solidFill>
+                  <a:srgbClr val="C00000"/>
+                </a:solidFill>
+              </a:rPr>
+              <a:t>消息服务</a:t>
+            </a:r>
+            <a:endParaRPr lang="en-US" dirty="0">
+              <a:solidFill>
+                <a:srgbClr val="C00000"/>
+              </a:solidFill>
+            </a:endParaRPr>
+          </a:p>
+        </p:txBody>
+      </p:sp>
+      <p:cxnSp>
+        <p:nvCxnSpPr>
+          <p:cNvPr id="55" name="Straight Connector 54">
+            <a:extLst>
+              <a:ext uri="{FF2B5EF4-FFF2-40B4-BE49-F238E27FC236}">
+                <a16:creationId xmlns:a16="http://schemas.microsoft.com/office/drawing/2014/main" id="{B48FCBE1-4D09-B408-F832-67B87F7AA556}"/>
+              </a:ext>
+            </a:extLst>
+          </p:cNvPr>
+          <p:cNvCxnSpPr/>
+          <p:nvPr/>
+        </p:nvCxnSpPr>
+        <p:spPr>
+          <a:xfrm flipV="1">
+            <a:off x="1693819" y="3429000"/>
+            <a:ext cx="8842113" cy="39863"/>
+          </a:xfrm>
+          <a:prstGeom prst="line">
+            <a:avLst/>
+          </a:prstGeom>
+        </p:spPr>
+        <p:style>
+          <a:lnRef idx="2">
+            <a:schemeClr val="dk1"/>
+          </a:lnRef>
+          <a:fillRef idx="0">
+            <a:schemeClr val="dk1"/>
+          </a:fillRef>
+          <a:effectRef idx="1">
+            <a:schemeClr val="dk1"/>
+          </a:effectRef>
+          <a:fontRef idx="minor">
+            <a:schemeClr val="tx1"/>
+          </a:fontRef>
+        </p:style>
+      </p:cxnSp>
+      <p:sp>
+        <p:nvSpPr>
+          <p:cNvPr id="56" name="TextBox 55">
+            <a:extLst>
+              <a:ext uri="{FF2B5EF4-FFF2-40B4-BE49-F238E27FC236}">
+                <a16:creationId xmlns:a16="http://schemas.microsoft.com/office/drawing/2014/main" id="{AD3ED355-2621-284D-5976-386EF8E85E1A}"/>
+              </a:ext>
+            </a:extLst>
+          </p:cNvPr>
+          <p:cNvSpPr txBox="1"/>
+          <p:nvPr/>
+        </p:nvSpPr>
+        <p:spPr>
+          <a:xfrm>
+            <a:off x="1996122" y="2963978"/>
+            <a:ext cx="1789272" cy="369332"/>
+          </a:xfrm>
+          <a:prstGeom prst="rect">
+            <a:avLst/>
+          </a:prstGeom>
+          <a:noFill/>
+        </p:spPr>
+        <p:txBody>
+          <a:bodyPr wrap="none" rtlCol="0">
+            <a:spAutoFit/>
+          </a:bodyPr>
+          <a:lstStyle/>
+          <a:p>
+            <a:r>
+              <a:rPr lang="zh-CN" altLang="en-US" dirty="0">
+                <a:solidFill>
+                  <a:srgbClr val="C00000"/>
+                </a:solidFill>
+              </a:rPr>
+              <a:t>反向代理服务集</a:t>
+            </a:r>
+            <a:endParaRPr lang="en-US" dirty="0">
+              <a:solidFill>
+                <a:srgbClr val="C00000"/>
+              </a:solidFill>
+            </a:endParaRPr>
+          </a:p>
+        </p:txBody>
+      </p:sp>
+    </p:spTree>
+    <p:extLst>
+      <p:ext uri="{BB962C8B-B14F-4D97-AF65-F5344CB8AC3E}">
+        <p14:creationId xmlns:p14="http://schemas.microsoft.com/office/powerpoint/2010/main" val="317105528"/>
+      </p:ext>
+    </p:extLst>
+  </p:cSld>
+  <p:clrMapOvr>
+    <a:masterClrMapping/>
+  </p:clrMapOvr>
+  <mc:AlternateContent xmlns:mc="http://schemas.openxmlformats.org/markup-compatibility/2006" xmlns:p14="http://schemas.microsoft.com/office/powerpoint/2010/main">
+    <mc:Choice Requires="p14">
+      <p:transition spd="med" p14:dur="700">
+        <p:fade/>
+      </p:transition>
+    </mc:Choice>
+    <mc:Fallback xmlns="">
+      <p:transition spd="med">
+        <p:fade/>
+      </p:transition>
+    </mc:Fallback>
+  </mc:AlternateContent>
+</p:sld>
+</file>
+
 <file path=ppt/theme/theme1.xml><?xml version="1.0" encoding="utf-8"?>
 <a:theme xmlns:a="http://schemas.openxmlformats.org/drawingml/2006/main" name="Integral">
   <a:themeElements>
